--- a/Deck.pptx
+++ b/Deck.pptx
@@ -1,6 +1,6 @@
 
 <file path=ppt/presentation.xml><?xml version="1.0" encoding="utf-8"?>
-<p:presentation xmlns:a="http://schemas.openxmlformats.org/drawingml/2006/main" xmlns:r="http://schemas.openxmlformats.org/officeDocument/2006/relationships" xmlns:mc="http://schemas.openxmlformats.org/markup-compatibility/2006" xmlns:mv="urn:schemas-microsoft-com:mac:vml" xmlns:p="http://schemas.openxmlformats.org/presentationml/2006/main" xmlns:c="http://schemas.openxmlformats.org/drawingml/2006/chart" xmlns:dgm="http://schemas.openxmlformats.org/drawingml/2006/diagram" xmlns:o="urn:schemas-microsoft-com:office:office" xmlns:v="urn:schemas-microsoft-com:vml" xmlns:pvml="urn:schemas-microsoft-com:office:powerpoint" xmlns:com="http://schemas.openxmlformats.org/drawingml/2006/compatibility" xmlns:p14="http://schemas.microsoft.com/office/powerpoint/2010/main" xmlns:p15="http://schemas.microsoft.com/office/powerpoint/2012/main" xmlns:ahyp="http://schemas.microsoft.com/office/drawing/2018/hyperlinkcolor" autoCompressPictures="0" strictFirstAndLastChars="0" saveSubsetFonts="1">
+<p:presentation xmlns:a="http://schemas.openxmlformats.org/drawingml/2006/main" xmlns:r="http://schemas.openxmlformats.org/officeDocument/2006/relationships" xmlns:mc="http://schemas.openxmlformats.org/markup-compatibility/2006" xmlns:mv="urn:schemas-microsoft-com:mac:vml" xmlns:p="http://schemas.openxmlformats.org/presentationml/2006/main" xmlns:c="http://schemas.openxmlformats.org/drawingml/2006/chart" xmlns:dgm="http://schemas.openxmlformats.org/drawingml/2006/diagram" xmlns:o="urn:schemas-microsoft-com:office:office" xmlns:v="urn:schemas-microsoft-com:vml" xmlns:pvml="urn:schemas-microsoft-com:office:powerpoint" xmlns:com="http://schemas.openxmlformats.org/drawingml/2006/compatibility" xmlns:p14="http://schemas.microsoft.com/office/powerpoint/2010/main" xmlns:p15="http://schemas.microsoft.com/office/powerpoint/2012/main" xmlns:ahyp="http://schemas.microsoft.com/office/drawing/2018/hyperlinkcolor" autoCompressPictures="0" embedTrueTypeFonts="1" strictFirstAndLastChars="0" saveSubsetFonts="1">
   <p:sldMasterIdLst>
     <p:sldMasterId id="2147483659" r:id="rId4"/>
   </p:sldMasterIdLst>
@@ -44,9 +44,20 @@
     <p:sldId id="289" r:id="rId39"/>
     <p:sldId id="290" r:id="rId40"/>
     <p:sldId id="291" r:id="rId41"/>
+    <p:sldId id="292" r:id="rId42"/>
+    <p:sldId id="293" r:id="rId43"/>
   </p:sldIdLst>
   <p:sldSz cy="5143500" cx="9144000"/>
   <p:notesSz cx="6858000" cy="9144000"/>
+  <p:embeddedFontLst>
+    <p:embeddedFont>
+      <p:font typeface="Roboto Mono"/>
+      <p:regular r:id="rId44"/>
+      <p:bold r:id="rId45"/>
+      <p:italic r:id="rId46"/>
+      <p:boldItalic r:id="rId47"/>
+    </p:embeddedFont>
+  </p:embeddedFontLst>
   <p:defaultTextStyle>
     <a:defPPr lvl="0" marR="0" rtl="0" algn="l">
       <a:lnSpc>
@@ -2918,7 +2929,7 @@
       </p:grpSpPr>
       <p:sp>
         <p:nvSpPr>
-          <p:cNvPr id="69" name="Google Shape;69;g33d19e7ec38_0_9:notes"/>
+          <p:cNvPr id="69" name="Google Shape;69;g33d19e7ec38_0_16:notes"/>
           <p:cNvSpPr/>
           <p:nvPr>
             <p:ph idx="2" type="sldImg"/>
@@ -2953,7 +2964,7 @@
       </p:sp>
       <p:sp>
         <p:nvSpPr>
-          <p:cNvPr id="70" name="Google Shape;70;g33d19e7ec38_0_9:notes"/>
+          <p:cNvPr id="70" name="Google Shape;70;g33d19e7ec38_0_16:notes"/>
           <p:cNvSpPr txBox="1"/>
           <p:nvPr>
             <p:ph idx="1" type="body"/>
@@ -3597,7 +3608,7 @@
   <p:cSld>
     <p:spTree>
       <p:nvGrpSpPr>
-        <p:cNvPr id="375" name="Shape 375"/>
+        <p:cNvPr id="374" name="Shape 374"/>
         <p:cNvGrpSpPr/>
         <p:nvPr/>
       </p:nvGrpSpPr>
@@ -3611,7 +3622,7 @@
       </p:grpSpPr>
       <p:sp>
         <p:nvSpPr>
-          <p:cNvPr id="376" name="Google Shape;376;g36a466ee85c_0_69:notes"/>
+          <p:cNvPr id="375" name="Google Shape;375;g3628dc6db6f_0_6:notes"/>
           <p:cNvSpPr/>
           <p:nvPr>
             <p:ph idx="2" type="sldImg"/>
@@ -3646,7 +3657,7 @@
       </p:sp>
       <p:sp>
         <p:nvSpPr>
-          <p:cNvPr id="377" name="Google Shape;377;g36a466ee85c_0_69:notes"/>
+          <p:cNvPr id="376" name="Google Shape;376;g3628dc6db6f_0_6:notes"/>
           <p:cNvSpPr txBox="1"/>
           <p:nvPr>
             <p:ph idx="1" type="body"/>
@@ -3691,12 +3702,12 @@
 </p:notes>
 </file>
 
-<file path=ppt/notesSlides/notesSlide4.xml><?xml version="1.0" encoding="utf-8"?>
+<file path=ppt/notesSlides/notesSlide37.xml><?xml version="1.0" encoding="utf-8"?>
 <p:notes xmlns:a="http://schemas.openxmlformats.org/drawingml/2006/main" xmlns:r="http://schemas.openxmlformats.org/officeDocument/2006/relationships" xmlns:mc="http://schemas.openxmlformats.org/markup-compatibility/2006" xmlns:mv="urn:schemas-microsoft-com:mac:vml" xmlns:p="http://schemas.openxmlformats.org/presentationml/2006/main" xmlns:c="http://schemas.openxmlformats.org/drawingml/2006/chart" xmlns:dgm="http://schemas.openxmlformats.org/drawingml/2006/diagram" xmlns:o="urn:schemas-microsoft-com:office:office" xmlns:v="urn:schemas-microsoft-com:vml" xmlns:pvml="urn:schemas-microsoft-com:office:powerpoint" xmlns:com="http://schemas.openxmlformats.org/drawingml/2006/compatibility" xmlns:p14="http://schemas.microsoft.com/office/powerpoint/2010/main" xmlns:p15="http://schemas.microsoft.com/office/powerpoint/2012/main" xmlns:ahyp="http://schemas.microsoft.com/office/drawing/2018/hyperlinkcolor" showMasterPhAnim="0" showMasterSp="0">
   <p:cSld>
     <p:spTree>
       <p:nvGrpSpPr>
-        <p:cNvPr id="79" name="Shape 79"/>
+        <p:cNvPr id="381" name="Shape 381"/>
         <p:cNvGrpSpPr/>
         <p:nvPr/>
       </p:nvGrpSpPr>
@@ -3710,7 +3721,7 @@
       </p:grpSpPr>
       <p:sp>
         <p:nvSpPr>
-          <p:cNvPr id="80" name="Google Shape;80;g36a466ee85c_0_0:notes"/>
+          <p:cNvPr id="382" name="Google Shape;382;g3628dc6db6f_0_0:notes"/>
           <p:cNvSpPr/>
           <p:nvPr>
             <p:ph idx="2" type="sldImg"/>
@@ -3745,7 +3756,205 @@
       </p:sp>
       <p:sp>
         <p:nvSpPr>
-          <p:cNvPr id="81" name="Google Shape;81;g36a466ee85c_0_0:notes"/>
+          <p:cNvPr id="383" name="Google Shape;383;g3628dc6db6f_0_0:notes"/>
+          <p:cNvSpPr txBox="1"/>
+          <p:nvPr>
+            <p:ph idx="1" type="body"/>
+          </p:nvPr>
+        </p:nvSpPr>
+        <p:spPr>
+          <a:xfrm>
+            <a:off x="685800" y="4343400"/>
+            <a:ext cx="5486400" cy="4114800"/>
+          </a:xfrm>
+          <a:prstGeom prst="rect">
+            <a:avLst/>
+          </a:prstGeom>
+        </p:spPr>
+        <p:txBody>
+          <a:bodyPr anchorCtr="0" anchor="t" bIns="91425" lIns="91425" spcFirstLastPara="1" rIns="91425" wrap="square" tIns="91425">
+            <a:noAutofit/>
+          </a:bodyPr>
+          <a:lstStyle/>
+          <a:p>
+            <a:pPr indent="0" lvl="0" marL="0" rtl="0" algn="l">
+              <a:spcBef>
+                <a:spcPts val="0"/>
+              </a:spcBef>
+              <a:spcAft>
+                <a:spcPts val="0"/>
+              </a:spcAft>
+              <a:buNone/>
+            </a:pPr>
+            <a:r>
+              <a:t/>
+            </a:r>
+            <a:endParaRPr/>
+          </a:p>
+        </p:txBody>
+      </p:sp>
+    </p:spTree>
+  </p:cSld>
+  <p:clrMapOvr>
+    <a:masterClrMapping/>
+  </p:clrMapOvr>
+</p:notes>
+</file>
+
+<file path=ppt/notesSlides/notesSlide38.xml><?xml version="1.0" encoding="utf-8"?>
+<p:notes xmlns:a="http://schemas.openxmlformats.org/drawingml/2006/main" xmlns:r="http://schemas.openxmlformats.org/officeDocument/2006/relationships" xmlns:mc="http://schemas.openxmlformats.org/markup-compatibility/2006" xmlns:mv="urn:schemas-microsoft-com:mac:vml" xmlns:p="http://schemas.openxmlformats.org/presentationml/2006/main" xmlns:c="http://schemas.openxmlformats.org/drawingml/2006/chart" xmlns:dgm="http://schemas.openxmlformats.org/drawingml/2006/diagram" xmlns:o="urn:schemas-microsoft-com:office:office" xmlns:v="urn:schemas-microsoft-com:vml" xmlns:pvml="urn:schemas-microsoft-com:office:powerpoint" xmlns:com="http://schemas.openxmlformats.org/drawingml/2006/compatibility" xmlns:p14="http://schemas.microsoft.com/office/powerpoint/2010/main" xmlns:p15="http://schemas.microsoft.com/office/powerpoint/2012/main" xmlns:ahyp="http://schemas.microsoft.com/office/drawing/2018/hyperlinkcolor" showMasterPhAnim="0" showMasterSp="0">
+  <p:cSld>
+    <p:spTree>
+      <p:nvGrpSpPr>
+        <p:cNvPr id="388" name="Shape 388"/>
+        <p:cNvGrpSpPr/>
+        <p:nvPr/>
+      </p:nvGrpSpPr>
+      <p:grpSpPr>
+        <a:xfrm>
+          <a:off x="0" y="0"/>
+          <a:ext cx="0" cy="0"/>
+          <a:chOff x="0" y="0"/>
+          <a:chExt cx="0" cy="0"/>
+        </a:xfrm>
+      </p:grpSpPr>
+      <p:sp>
+        <p:nvSpPr>
+          <p:cNvPr id="389" name="Google Shape;389;g36a466ee85c_0_69:notes"/>
+          <p:cNvSpPr/>
+          <p:nvPr>
+            <p:ph idx="2" type="sldImg"/>
+          </p:nvPr>
+        </p:nvSpPr>
+        <p:spPr>
+          <a:xfrm>
+            <a:off x="381300" y="685800"/>
+            <a:ext cx="6096000" cy="3429000"/>
+          </a:xfrm>
+          <a:custGeom>
+            <a:rect b="b" l="l" r="r" t="t"/>
+            <a:pathLst>
+              <a:path extrusionOk="0" h="120000" w="120000">
+                <a:moveTo>
+                  <a:pt x="0" y="0"/>
+                </a:moveTo>
+                <a:lnTo>
+                  <a:pt x="120000" y="0"/>
+                </a:lnTo>
+                <a:lnTo>
+                  <a:pt x="120000" y="120000"/>
+                </a:lnTo>
+                <a:lnTo>
+                  <a:pt x="0" y="120000"/>
+                </a:lnTo>
+                <a:close/>
+              </a:path>
+            </a:pathLst>
+          </a:custGeom>
+        </p:spPr>
+      </p:sp>
+      <p:sp>
+        <p:nvSpPr>
+          <p:cNvPr id="390" name="Google Shape;390;g36a466ee85c_0_69:notes"/>
+          <p:cNvSpPr txBox="1"/>
+          <p:nvPr>
+            <p:ph idx="1" type="body"/>
+          </p:nvPr>
+        </p:nvSpPr>
+        <p:spPr>
+          <a:xfrm>
+            <a:off x="685800" y="4343400"/>
+            <a:ext cx="5486400" cy="4114800"/>
+          </a:xfrm>
+          <a:prstGeom prst="rect">
+            <a:avLst/>
+          </a:prstGeom>
+        </p:spPr>
+        <p:txBody>
+          <a:bodyPr anchorCtr="0" anchor="t" bIns="91425" lIns="91425" spcFirstLastPara="1" rIns="91425" wrap="square" tIns="91425">
+            <a:noAutofit/>
+          </a:bodyPr>
+          <a:lstStyle/>
+          <a:p>
+            <a:pPr indent="0" lvl="0" marL="0" rtl="0" algn="l">
+              <a:spcBef>
+                <a:spcPts val="0"/>
+              </a:spcBef>
+              <a:spcAft>
+                <a:spcPts val="0"/>
+              </a:spcAft>
+              <a:buNone/>
+            </a:pPr>
+            <a:r>
+              <a:t/>
+            </a:r>
+            <a:endParaRPr/>
+          </a:p>
+        </p:txBody>
+      </p:sp>
+    </p:spTree>
+  </p:cSld>
+  <p:clrMapOvr>
+    <a:masterClrMapping/>
+  </p:clrMapOvr>
+</p:notes>
+</file>
+
+<file path=ppt/notesSlides/notesSlide4.xml><?xml version="1.0" encoding="utf-8"?>
+<p:notes xmlns:a="http://schemas.openxmlformats.org/drawingml/2006/main" xmlns:r="http://schemas.openxmlformats.org/officeDocument/2006/relationships" xmlns:mc="http://schemas.openxmlformats.org/markup-compatibility/2006" xmlns:mv="urn:schemas-microsoft-com:mac:vml" xmlns:p="http://schemas.openxmlformats.org/presentationml/2006/main" xmlns:c="http://schemas.openxmlformats.org/drawingml/2006/chart" xmlns:dgm="http://schemas.openxmlformats.org/drawingml/2006/diagram" xmlns:o="urn:schemas-microsoft-com:office:office" xmlns:v="urn:schemas-microsoft-com:vml" xmlns:pvml="urn:schemas-microsoft-com:office:powerpoint" xmlns:com="http://schemas.openxmlformats.org/drawingml/2006/compatibility" xmlns:p14="http://schemas.microsoft.com/office/powerpoint/2010/main" xmlns:p15="http://schemas.microsoft.com/office/powerpoint/2012/main" xmlns:ahyp="http://schemas.microsoft.com/office/drawing/2018/hyperlinkcolor" showMasterPhAnim="0" showMasterSp="0">
+  <p:cSld>
+    <p:spTree>
+      <p:nvGrpSpPr>
+        <p:cNvPr id="76" name="Shape 76"/>
+        <p:cNvGrpSpPr/>
+        <p:nvPr/>
+      </p:nvGrpSpPr>
+      <p:grpSpPr>
+        <a:xfrm>
+          <a:off x="0" y="0"/>
+          <a:ext cx="0" cy="0"/>
+          <a:chOff x="0" y="0"/>
+          <a:chExt cx="0" cy="0"/>
+        </a:xfrm>
+      </p:grpSpPr>
+      <p:sp>
+        <p:nvSpPr>
+          <p:cNvPr id="77" name="Google Shape;77;g33d19e7ec38_0_9:notes"/>
+          <p:cNvSpPr/>
+          <p:nvPr>
+            <p:ph idx="2" type="sldImg"/>
+          </p:nvPr>
+        </p:nvSpPr>
+        <p:spPr>
+          <a:xfrm>
+            <a:off x="381300" y="685800"/>
+            <a:ext cx="6096000" cy="3429000"/>
+          </a:xfrm>
+          <a:custGeom>
+            <a:rect b="b" l="l" r="r" t="t"/>
+            <a:pathLst>
+              <a:path extrusionOk="0" h="120000" w="120000">
+                <a:moveTo>
+                  <a:pt x="0" y="0"/>
+                </a:moveTo>
+                <a:lnTo>
+                  <a:pt x="120000" y="0"/>
+                </a:lnTo>
+                <a:lnTo>
+                  <a:pt x="120000" y="120000"/>
+                </a:lnTo>
+                <a:lnTo>
+                  <a:pt x="0" y="120000"/>
+                </a:lnTo>
+                <a:close/>
+              </a:path>
+            </a:pathLst>
+          </a:custGeom>
+        </p:spPr>
+      </p:sp>
+      <p:sp>
+        <p:nvSpPr>
+          <p:cNvPr id="78" name="Google Shape;78;g33d19e7ec38_0_9:notes"/>
           <p:cNvSpPr txBox="1"/>
           <p:nvPr>
             <p:ph idx="1" type="body"/>
@@ -3809,7 +4018,7 @@
       </p:grpSpPr>
       <p:sp>
         <p:nvSpPr>
-          <p:cNvPr id="88" name="Google Shape;88;g36a466ee85c_0_17:notes"/>
+          <p:cNvPr id="88" name="Google Shape;88;g36a466ee85c_0_0:notes"/>
           <p:cNvSpPr/>
           <p:nvPr>
             <p:ph idx="2" type="sldImg"/>
@@ -3844,7 +4053,7 @@
       </p:sp>
       <p:sp>
         <p:nvSpPr>
-          <p:cNvPr id="89" name="Google Shape;89;g36a466ee85c_0_17:notes"/>
+          <p:cNvPr id="89" name="Google Shape;89;g36a466ee85c_0_0:notes"/>
           <p:cNvSpPr txBox="1"/>
           <p:nvPr>
             <p:ph idx="1" type="body"/>
@@ -3894,7 +4103,7 @@
   <p:cSld>
     <p:spTree>
       <p:nvGrpSpPr>
-        <p:cNvPr id="96" name="Shape 96"/>
+        <p:cNvPr id="95" name="Shape 95"/>
         <p:cNvGrpSpPr/>
         <p:nvPr/>
       </p:nvGrpSpPr>
@@ -3908,7 +4117,7 @@
       </p:grpSpPr>
       <p:sp>
         <p:nvSpPr>
-          <p:cNvPr id="97" name="Google Shape;97;g36a466ee85c_0_27:notes"/>
+          <p:cNvPr id="96" name="Google Shape;96;g36a466ee85c_0_17:notes"/>
           <p:cNvSpPr/>
           <p:nvPr>
             <p:ph idx="2" type="sldImg"/>
@@ -3943,7 +4152,7 @@
       </p:sp>
       <p:sp>
         <p:nvSpPr>
-          <p:cNvPr id="98" name="Google Shape;98;g36a466ee85c_0_27:notes"/>
+          <p:cNvPr id="97" name="Google Shape;97;g36a466ee85c_0_17:notes"/>
           <p:cNvSpPr txBox="1"/>
           <p:nvPr>
             <p:ph idx="1" type="body"/>
@@ -3993,7 +4202,7 @@
   <p:cSld>
     <p:spTree>
       <p:nvGrpSpPr>
-        <p:cNvPr id="105" name="Shape 105"/>
+        <p:cNvPr id="104" name="Shape 104"/>
         <p:cNvGrpSpPr/>
         <p:nvPr/>
       </p:nvGrpSpPr>
@@ -4007,7 +4216,7 @@
       </p:grpSpPr>
       <p:sp>
         <p:nvSpPr>
-          <p:cNvPr id="106" name="Google Shape;106;g33d19e7ec38_0_16:notes"/>
+          <p:cNvPr id="105" name="Google Shape;105;g36a466ee85c_0_27:notes"/>
           <p:cNvSpPr/>
           <p:nvPr>
             <p:ph idx="2" type="sldImg"/>
@@ -4042,7 +4251,7 @@
       </p:sp>
       <p:sp>
         <p:nvSpPr>
-          <p:cNvPr id="107" name="Google Shape;107;g33d19e7ec38_0_16:notes"/>
+          <p:cNvPr id="106" name="Google Shape;106;g36a466ee85c_0_27:notes"/>
           <p:cNvSpPr txBox="1"/>
           <p:nvPr>
             <p:ph idx="1" type="body"/>
@@ -11828,7 +12037,7 @@
             </a:pPr>
             <a:r>
               <a:rPr lang="en"/>
-              <a:t>Brief Introduction to Galaxy</a:t>
+              <a:t>Let’s Install Galaxy</a:t>
             </a:r>
             <a:endParaRPr/>
           </a:p>
@@ -11845,7 +12054,7 @@
             </a:pPr>
             <a:r>
               <a:rPr lang="en"/>
-              <a:t>Let’s Install Galaxy</a:t>
+              <a:t>Brief Introduction to Galaxy</a:t>
             </a:r>
             <a:endParaRPr/>
           </a:p>
@@ -12045,8 +12254,8 @@
         </p:nvSpPr>
         <p:spPr>
           <a:xfrm>
-            <a:off x="4468700" y="4703625"/>
-            <a:ext cx="4577700" cy="400200"/>
+            <a:off x="4018825" y="4703625"/>
+            <a:ext cx="5027700" cy="431100"/>
           </a:xfrm>
           <a:prstGeom prst="rect">
             <a:avLst/>
@@ -12072,10 +12281,10 @@
               <a:buNone/>
             </a:pPr>
             <a:r>
-              <a:rPr lang="en"/>
+              <a:rPr lang="en" sz="1600"/>
               <a:t>https://github.com/cumbof/gbcc25_training_session</a:t>
             </a:r>
-            <a:endParaRPr/>
+            <a:endParaRPr sz="1600"/>
           </a:p>
         </p:txBody>
       </p:sp>
@@ -14655,69 +14864,9 @@
             </a:pPr>
             <a:r>
               <a:rPr lang="en"/>
-              <a:t>Brief Introduction to Galaxy</a:t>
+              <a:t>Let’s Install Galaxy!</a:t>
             </a:r>
             <a:endParaRPr/>
-          </a:p>
-          <a:p>
-            <a:pPr indent="0" lvl="0" marL="0" rtl="0" algn="l">
-              <a:spcBef>
-                <a:spcPts val="0"/>
-              </a:spcBef>
-              <a:spcAft>
-                <a:spcPts val="0"/>
-              </a:spcAft>
-              <a:buClr>
-                <a:schemeClr val="dk1"/>
-              </a:buClr>
-              <a:buSzPct val="70714"/>
-              <a:buFont typeface="Arial"/>
-              <a:buNone/>
-            </a:pPr>
-            <a:r>
-              <a:rPr lang="en" sz="1555">
-                <a:solidFill>
-                  <a:schemeClr val="accent1"/>
-                </a:solidFill>
-              </a:rPr>
-              <a:t>The Galaxy platform for accessible, reproducible and collaborative biomedical analyses: 2024 update</a:t>
-            </a:r>
-            <a:endParaRPr sz="1555">
-              <a:solidFill>
-                <a:schemeClr val="accent1"/>
-              </a:solidFill>
-            </a:endParaRPr>
-          </a:p>
-          <a:p>
-            <a:pPr indent="0" lvl="0" marL="0" rtl="0" algn="l">
-              <a:spcBef>
-                <a:spcPts val="0"/>
-              </a:spcBef>
-              <a:spcAft>
-                <a:spcPts val="0"/>
-              </a:spcAft>
-              <a:buNone/>
-            </a:pPr>
-            <a:r>
-              <a:rPr lang="en" sz="1555" u="sng">
-                <a:solidFill>
-                  <a:schemeClr val="accent1"/>
-                </a:solidFill>
-                <a:hlinkClick r:id="rId3">
-                  <a:extLst>
-                    <a:ext uri="{A12FA001-AC4F-418D-AE19-62706E023703}">
-                      <ahyp:hlinkClr val="tx"/>
-                    </a:ext>
-                  </a:extLst>
-                </a:hlinkClick>
-              </a:rPr>
-              <a:t>https://doi.org/10.1093/nar/gkae410</a:t>
-            </a:r>
-            <a:endParaRPr sz="1555" u="sng">
-              <a:solidFill>
-                <a:schemeClr val="accent1"/>
-              </a:solidFill>
-            </a:endParaRPr>
           </a:p>
         </p:txBody>
       </p:sp>
@@ -14731,8 +14880,8 @@
         </p:nvSpPr>
         <p:spPr>
           <a:xfrm>
-            <a:off x="311700" y="1457275"/>
-            <a:ext cx="8520600" cy="1723800"/>
+            <a:off x="311700" y="1152475"/>
+            <a:ext cx="8520600" cy="3416400"/>
           </a:xfrm>
           <a:prstGeom prst="rect">
             <a:avLst/>
@@ -14740,143 +14889,178 @@
         </p:spPr>
         <p:txBody>
           <a:bodyPr anchorCtr="0" anchor="t" bIns="91425" lIns="91425" spcFirstLastPara="1" rIns="91425" wrap="square" tIns="91425">
-            <a:noAutofit/>
+            <a:normAutofit/>
           </a:bodyPr>
           <a:lstStyle/>
           <a:p>
-            <a:pPr indent="-311150" lvl="0" marL="457200" rtl="0" algn="l">
-              <a:lnSpc>
-                <a:spcPct val="100000"/>
-              </a:lnSpc>
-              <a:spcBef>
-                <a:spcPts val="0"/>
-              </a:spcBef>
-              <a:spcAft>
-                <a:spcPts val="0"/>
-              </a:spcAft>
-              <a:buClr>
-                <a:schemeClr val="dk2"/>
-              </a:buClr>
-              <a:buSzPts val="1300"/>
-              <a:buChar char="●"/>
-            </a:pPr>
-            <a:r>
-              <a:rPr lang="en" sz="1300"/>
-              <a:t>Worldwide community project, supporting a multitude of discipline. Open source, open access!</a:t>
-            </a:r>
-            <a:endParaRPr sz="1300"/>
-          </a:p>
-          <a:p>
-            <a:pPr indent="0" lvl="0" marL="0" rtl="0" algn="l">
-              <a:lnSpc>
-                <a:spcPct val="100000"/>
-              </a:lnSpc>
-              <a:spcBef>
-                <a:spcPts val="0"/>
-              </a:spcBef>
-              <a:spcAft>
-                <a:spcPts val="0"/>
-              </a:spcAft>
-              <a:buClr>
-                <a:schemeClr val="dk1"/>
-              </a:buClr>
-              <a:buSzPts val="1100"/>
-              <a:buFont typeface="Arial"/>
-              <a:buNone/>
-            </a:pPr>
-            <a:r>
-              <a:t/>
-            </a:r>
-            <a:endParaRPr sz="1300"/>
-          </a:p>
-          <a:p>
-            <a:pPr indent="-311150" lvl="0" marL="457200" rtl="0" algn="l">
-              <a:lnSpc>
-                <a:spcPct val="100000"/>
-              </a:lnSpc>
-              <a:spcBef>
-                <a:spcPts val="0"/>
-              </a:spcBef>
-              <a:spcAft>
-                <a:spcPts val="0"/>
-              </a:spcAft>
-              <a:buClr>
-                <a:schemeClr val="dk2"/>
-              </a:buClr>
-              <a:buSzPts val="1300"/>
-              <a:buChar char="●"/>
-            </a:pPr>
-            <a:r>
-              <a:rPr lang="en" sz="1300"/>
-              <a:t>Workflow management system, with the aim of making computational tools accessible to researchers without a programming background. </a:t>
-            </a:r>
-            <a:r>
-              <a:rPr i="1" lang="en" sz="1300"/>
-              <a:t>“</a:t>
-            </a:r>
-            <a:r>
-              <a:rPr i="1" lang="en" sz="1300">
+            <a:pPr indent="-342900" lvl="0" marL="457200" rtl="0" algn="l">
+              <a:spcBef>
+                <a:spcPts val="0"/>
+              </a:spcBef>
+              <a:spcAft>
+                <a:spcPts val="0"/>
+              </a:spcAft>
+              <a:buSzPts val="1800"/>
+              <a:buAutoNum type="arabicPeriod"/>
+            </a:pPr>
+            <a:r>
+              <a:rPr lang="en"/>
+              <a:t>Open your terminal</a:t>
+            </a:r>
+            <a:endParaRPr/>
+          </a:p>
+          <a:p>
+            <a:pPr indent="-342900" lvl="0" marL="457200" rtl="0" algn="l">
+              <a:spcBef>
+                <a:spcPts val="0"/>
+              </a:spcBef>
+              <a:spcAft>
+                <a:spcPts val="0"/>
+              </a:spcAft>
+              <a:buSzPts val="1800"/>
+              <a:buAutoNum type="arabicPeriod"/>
+            </a:pPr>
+            <a:r>
+              <a:rPr lang="en"/>
+              <a:t>Clone the latest version of Galaxy</a:t>
+            </a:r>
+            <a:endParaRPr/>
+          </a:p>
+          <a:p>
+            <a:pPr indent="-317500" lvl="1" marL="914400" rtl="0" algn="l">
+              <a:spcBef>
+                <a:spcPts val="0"/>
+              </a:spcBef>
+              <a:spcAft>
+                <a:spcPts val="0"/>
+              </a:spcAft>
+              <a:buSzPts val="1400"/>
+              <a:buAutoNum type="alphaLcPeriod"/>
+            </a:pPr>
+            <a:r>
+              <a:rPr lang="en"/>
+              <a:t>$ </a:t>
+            </a:r>
+            <a:r>
+              <a:rPr lang="en"/>
+              <a:t>g</a:t>
+            </a:r>
+            <a:r>
+              <a:rPr lang="en"/>
+              <a:t>it clone </a:t>
+            </a:r>
+            <a:r>
+              <a:rPr lang="en" u="sng">
                 <a:solidFill>
-                  <a:schemeClr val="accent1"/>
+                  <a:schemeClr val="hlink"/>
                 </a:solidFill>
+                <a:hlinkClick r:id="rId3"/>
               </a:rPr>
-              <a:t>We code so other people don’t have to</a:t>
-            </a:r>
-            <a:r>
-              <a:rPr i="1" lang="en" sz="1300"/>
-              <a:t>”</a:t>
-            </a:r>
-            <a:r>
-              <a:rPr lang="en" sz="1300"/>
-              <a:t>.</a:t>
-            </a:r>
-            <a:endParaRPr sz="1300"/>
-          </a:p>
-          <a:p>
-            <a:pPr indent="0" lvl="0" marL="0" rtl="0" algn="l">
-              <a:lnSpc>
-                <a:spcPct val="100000"/>
-              </a:lnSpc>
-              <a:spcBef>
-                <a:spcPts val="0"/>
-              </a:spcBef>
-              <a:spcAft>
-                <a:spcPts val="0"/>
-              </a:spcAft>
-              <a:buClr>
-                <a:schemeClr val="dk1"/>
-              </a:buClr>
-              <a:buSzPts val="1100"/>
-              <a:buFont typeface="Arial"/>
-              <a:buNone/>
-            </a:pPr>
-            <a:r>
-              <a:t/>
-            </a:r>
-            <a:endParaRPr sz="1300"/>
-          </a:p>
-          <a:p>
-            <a:pPr indent="-311150" lvl="0" marL="457200" rtl="0" algn="l">
-              <a:lnSpc>
-                <a:spcPct val="100000"/>
-              </a:lnSpc>
-              <a:spcBef>
-                <a:spcPts val="0"/>
-              </a:spcBef>
-              <a:spcAft>
-                <a:spcPts val="0"/>
-              </a:spcAft>
-              <a:buClr>
-                <a:schemeClr val="dk2"/>
-              </a:buClr>
-              <a:buSzPts val="1300"/>
-              <a:buChar char="●"/>
-            </a:pPr>
-            <a:r>
-              <a:rPr lang="en" sz="1300"/>
-              <a:t>We write tools for bioinformatics and computational chemistry software, helping researchers bridge the gap between theory and experiments.</a:t>
-            </a:r>
-            <a:endParaRPr sz="1300"/>
+              <a:t>https://github.com/galaxyproject/galaxy.git</a:t>
+            </a:r>
+            <a:endParaRPr/>
+          </a:p>
+          <a:p>
+            <a:pPr indent="-342900" lvl="0" marL="457200" rtl="0" algn="l">
+              <a:spcBef>
+                <a:spcPts val="0"/>
+              </a:spcBef>
+              <a:spcAft>
+                <a:spcPts val="0"/>
+              </a:spcAft>
+              <a:buSzPts val="1800"/>
+              <a:buAutoNum type="arabicPeriod"/>
+            </a:pPr>
+            <a:r>
+              <a:rPr lang="en"/>
+              <a:t>Go into the main Galaxy root directory</a:t>
+            </a:r>
+            <a:endParaRPr/>
+          </a:p>
+          <a:p>
+            <a:pPr indent="-317500" lvl="1" marL="914400" rtl="0" algn="l">
+              <a:spcBef>
+                <a:spcPts val="0"/>
+              </a:spcBef>
+              <a:spcAft>
+                <a:spcPts val="0"/>
+              </a:spcAft>
+              <a:buSzPts val="1400"/>
+              <a:buAutoNum type="alphaLcPeriod"/>
+            </a:pPr>
+            <a:r>
+              <a:rPr lang="en"/>
+              <a:t>$ cd galaxy/</a:t>
+            </a:r>
+            <a:endParaRPr/>
+          </a:p>
+          <a:p>
+            <a:pPr indent="-342900" lvl="0" marL="457200" rtl="0" algn="l">
+              <a:spcBef>
+                <a:spcPts val="0"/>
+              </a:spcBef>
+              <a:spcAft>
+                <a:spcPts val="0"/>
+              </a:spcAft>
+              <a:buSzPts val="1800"/>
+              <a:buAutoNum type="arabicPeriod"/>
+            </a:pPr>
+            <a:r>
+              <a:rPr lang="en"/>
+              <a:t>Ensure your python version &gt;= 3.9, either system wide or with an activated environment.</a:t>
+            </a:r>
+            <a:endParaRPr/>
+          </a:p>
+          <a:p>
+            <a:pPr indent="-317500" lvl="1" marL="914400" rtl="0" algn="l">
+              <a:spcBef>
+                <a:spcPts val="0"/>
+              </a:spcBef>
+              <a:spcAft>
+                <a:spcPts val="0"/>
+              </a:spcAft>
+              <a:buSzPts val="1400"/>
+              <a:buAutoNum type="alphaLcPeriod"/>
+            </a:pPr>
+            <a:r>
+              <a:rPr lang="en"/>
+              <a:t>$ python --version</a:t>
+            </a:r>
+            <a:endParaRPr/>
+          </a:p>
+          <a:p>
+            <a:pPr indent="-342900" lvl="0" marL="457200" rtl="0" algn="l">
+              <a:spcBef>
+                <a:spcPts val="0"/>
+              </a:spcBef>
+              <a:spcAft>
+                <a:spcPts val="0"/>
+              </a:spcAft>
+              <a:buSzPts val="1800"/>
+              <a:buAutoNum type="arabicPeriod"/>
+            </a:pPr>
+            <a:r>
+              <a:rPr lang="en"/>
+              <a:t>Fire it up!</a:t>
+            </a:r>
+            <a:endParaRPr/>
+          </a:p>
+          <a:p>
+            <a:pPr indent="-317500" lvl="1" marL="914400" rtl="0" algn="l">
+              <a:spcBef>
+                <a:spcPts val="0"/>
+              </a:spcBef>
+              <a:spcAft>
+                <a:spcPts val="0"/>
+              </a:spcAft>
+              <a:buSzPts val="1400"/>
+              <a:buAutoNum type="alphaLcPeriod"/>
+            </a:pPr>
+            <a:r>
+              <a:rPr lang="en"/>
+              <a:t>$ sh run.sh</a:t>
+            </a:r>
+            <a:endParaRPr/>
           </a:p>
         </p:txBody>
       </p:sp>
@@ -14910,39 +15094,12 @@
       </p:pic>
       <p:pic>
         <p:nvPicPr>
-          <p:cNvPr descr="Saved and restored Terminal window group with commands" id="75" name="Google Shape;75;p15"/>
-          <p:cNvPicPr preferRelativeResize="0"/>
-          <p:nvPr/>
-        </p:nvPicPr>
-        <p:blipFill rotWithShape="1">
-          <a:blip r:embed="rId5">
-            <a:alphaModFix/>
-          </a:blip>
-          <a:srcRect b="0" l="1083" r="2195" t="0"/>
-          <a:stretch/>
-        </p:blipFill>
-        <p:spPr>
-          <a:xfrm>
-            <a:off x="0" y="3136230"/>
-            <a:ext cx="4205675" cy="2447795"/>
-          </a:xfrm>
-          <a:prstGeom prst="rect">
-            <a:avLst/>
-          </a:prstGeom>
-          <a:noFill/>
-          <a:ln>
-            <a:noFill/>
-          </a:ln>
-        </p:spPr>
-      </p:pic>
-      <p:pic>
-        <p:nvPicPr>
-          <p:cNvPr id="76" name="Google Shape;76;p15"/>
+          <p:cNvPr id="75" name="Google Shape;75;p15" title="Screenshot 2025-06-17 at 4.49.53 PM.png"/>
           <p:cNvPicPr preferRelativeResize="0"/>
           <p:nvPr/>
         </p:nvPicPr>
         <p:blipFill>
-          <a:blip r:embed="rId6">
+          <a:blip r:embed="rId5">
             <a:alphaModFix/>
           </a:blip>
           <a:stretch>
@@ -14951,8 +15108,8 @@
         </p:blipFill>
         <p:spPr>
           <a:xfrm>
-            <a:off x="4369600" y="3136225"/>
-            <a:ext cx="4774400" cy="2447799"/>
+            <a:off x="0" y="4262775"/>
+            <a:ext cx="2482700" cy="880725"/>
           </a:xfrm>
           <a:prstGeom prst="rect">
             <a:avLst/>
@@ -14963,106 +15120,6 @@
           </a:ln>
         </p:spPr>
       </p:pic>
-      <p:sp>
-        <p:nvSpPr>
-          <p:cNvPr id="77" name="Google Shape;77;p15"/>
-          <p:cNvSpPr txBox="1"/>
-          <p:nvPr/>
-        </p:nvSpPr>
-        <p:spPr>
-          <a:xfrm>
-            <a:off x="908525" y="3824475"/>
-            <a:ext cx="2388600" cy="461700"/>
-          </a:xfrm>
-          <a:prstGeom prst="rect">
-            <a:avLst/>
-          </a:prstGeom>
-          <a:noFill/>
-          <a:ln>
-            <a:noFill/>
-          </a:ln>
-        </p:spPr>
-        <p:txBody>
-          <a:bodyPr anchorCtr="0" anchor="t" bIns="91425" lIns="91425" spcFirstLastPara="1" rIns="91425" wrap="square" tIns="91425">
-            <a:spAutoFit/>
-          </a:bodyPr>
-          <a:lstStyle/>
-          <a:p>
-            <a:pPr indent="0" lvl="0" marL="0" rtl="0" algn="ctr">
-              <a:spcBef>
-                <a:spcPts val="0"/>
-              </a:spcBef>
-              <a:spcAft>
-                <a:spcPts val="0"/>
-              </a:spcAft>
-              <a:buNone/>
-            </a:pPr>
-            <a:r>
-              <a:rPr lang="en" sz="1800">
-                <a:highlight>
-                  <a:srgbClr val="F1C232"/>
-                </a:highlight>
-              </a:rPr>
-              <a:t>Boring and difficult!</a:t>
-            </a:r>
-            <a:endParaRPr sz="1800">
-              <a:highlight>
-                <a:srgbClr val="F1C232"/>
-              </a:highlight>
-            </a:endParaRPr>
-          </a:p>
-        </p:txBody>
-      </p:sp>
-      <p:sp>
-        <p:nvSpPr>
-          <p:cNvPr id="78" name="Google Shape;78;p15"/>
-          <p:cNvSpPr txBox="1"/>
-          <p:nvPr/>
-        </p:nvSpPr>
-        <p:spPr>
-          <a:xfrm>
-            <a:off x="5257400" y="3685875"/>
-            <a:ext cx="2998800" cy="738900"/>
-          </a:xfrm>
-          <a:prstGeom prst="rect">
-            <a:avLst/>
-          </a:prstGeom>
-          <a:noFill/>
-          <a:ln>
-            <a:noFill/>
-          </a:ln>
-        </p:spPr>
-        <p:txBody>
-          <a:bodyPr anchorCtr="0" anchor="t" bIns="91425" lIns="91425" spcFirstLastPara="1" rIns="91425" wrap="square" tIns="91425">
-            <a:spAutoFit/>
-          </a:bodyPr>
-          <a:lstStyle/>
-          <a:p>
-            <a:pPr indent="0" lvl="0" marL="0" rtl="0" algn="ctr">
-              <a:spcBef>
-                <a:spcPts val="0"/>
-              </a:spcBef>
-              <a:spcAft>
-                <a:spcPts val="0"/>
-              </a:spcAft>
-              <a:buNone/>
-            </a:pPr>
-            <a:r>
-              <a:rPr lang="en" sz="1800">
-                <a:highlight>
-                  <a:srgbClr val="F1C232"/>
-                </a:highlight>
-              </a:rPr>
-              <a:t>Reproducible, accessible, and more user friendly!</a:t>
-            </a:r>
-            <a:endParaRPr sz="1800">
-              <a:highlight>
-                <a:srgbClr val="F1C232"/>
-              </a:highlight>
-            </a:endParaRPr>
-          </a:p>
-        </p:txBody>
-      </p:sp>
     </p:spTree>
   </p:cSld>
   <p:clrMapOvr>
@@ -15319,8 +15376,8 @@
         </p:blipFill>
         <p:spPr>
           <a:xfrm>
-            <a:off x="6029301" y="1043461"/>
-            <a:ext cx="5866201" cy="4100039"/>
+            <a:off x="892419" y="0"/>
+            <a:ext cx="7359161" cy="5143499"/>
           </a:xfrm>
           <a:prstGeom prst="rect">
             <a:avLst/>
@@ -16902,65 +16959,9 @@
           <a:chExt cx="0" cy="0"/>
         </a:xfrm>
       </p:grpSpPr>
-      <p:sp>
-        <p:nvSpPr>
-          <p:cNvPr id="371" name="Google Shape;371;p47"/>
-          <p:cNvSpPr txBox="1"/>
-          <p:nvPr>
-            <p:ph type="title"/>
-          </p:nvPr>
-        </p:nvSpPr>
-        <p:spPr>
-          <a:xfrm>
-            <a:off x="311700" y="445025"/>
-            <a:ext cx="8520600" cy="572700"/>
-          </a:xfrm>
-          <a:prstGeom prst="rect">
-            <a:avLst/>
-          </a:prstGeom>
-        </p:spPr>
-        <p:txBody>
-          <a:bodyPr anchorCtr="0" anchor="t" bIns="91425" lIns="91425" spcFirstLastPara="1" rIns="91425" wrap="square" tIns="91425">
-            <a:normAutofit fontScale="90000"/>
-          </a:bodyPr>
-          <a:lstStyle/>
-          <a:p>
-            <a:pPr indent="0" lvl="0" marL="0" rtl="0" algn="l">
-              <a:spcBef>
-                <a:spcPts val="0"/>
-              </a:spcBef>
-              <a:spcAft>
-                <a:spcPts val="0"/>
-              </a:spcAft>
-              <a:buNone/>
-            </a:pPr>
-            <a:r>
-              <a:rPr lang="en"/>
-              <a:t>Alternative ways to use </a:t>
-            </a:r>
-            <a:endParaRPr/>
-          </a:p>
-          <a:p>
-            <a:pPr indent="0" lvl="0" marL="0" rtl="0" algn="l">
-              <a:spcBef>
-                <a:spcPts val="0"/>
-              </a:spcBef>
-              <a:spcAft>
-                <a:spcPts val="0"/>
-              </a:spcAft>
-              <a:buNone/>
-            </a:pPr>
-            <a:r>
-              <a:rPr lang="en"/>
-              <a:t>R/Bioconductor in Galaxy</a:t>
-            </a:r>
-            <a:endParaRPr/>
-          </a:p>
-        </p:txBody>
-      </p:sp>
       <p:pic>
         <p:nvPicPr>
-          <p:cNvPr id="372" name="Google Shape;372;p47" title="galaxyproject.jpeg"/>
+          <p:cNvPr id="371" name="Google Shape;371;p47" title="galaxyproject.jpeg"/>
           <p:cNvPicPr preferRelativeResize="0"/>
           <p:nvPr/>
         </p:nvPicPr>
@@ -16988,7 +16989,7 @@
       </p:pic>
       <p:pic>
         <p:nvPicPr>
-          <p:cNvPr id="373" name="Google Shape;373;p47" title="Screenshot 2025-06-17 at 4.49.53 PM.png"/>
+          <p:cNvPr id="372" name="Google Shape;372;p47" title="Screenshot 2025-06-17 at 4.49.53 PM.png"/>
           <p:cNvPicPr preferRelativeResize="0"/>
           <p:nvPr/>
         </p:nvPicPr>
@@ -17016,48 +17017,313 @@
       </p:pic>
       <p:sp>
         <p:nvSpPr>
-          <p:cNvPr id="374" name="Google Shape;374;p47"/>
+          <p:cNvPr id="373" name="Google Shape;373;p47"/>
           <p:cNvSpPr txBox="1"/>
-          <p:nvPr>
-            <p:ph type="title"/>
-          </p:nvPr>
+          <p:nvPr/>
         </p:nvSpPr>
         <p:spPr>
           <a:xfrm>
-            <a:off x="311700" y="2265350"/>
-            <a:ext cx="8520600" cy="572700"/>
-          </a:xfrm>
-          <a:prstGeom prst="rect">
-            <a:avLst/>
-          </a:prstGeom>
+            <a:off x="315800" y="861075"/>
+            <a:ext cx="8260200" cy="3401700"/>
+          </a:xfrm>
+          <a:prstGeom prst="rect">
+            <a:avLst/>
+          </a:prstGeom>
+          <a:noFill/>
+          <a:ln>
+            <a:noFill/>
+          </a:ln>
         </p:spPr>
         <p:txBody>
           <a:bodyPr anchorCtr="0" anchor="t" bIns="91425" lIns="91425" spcFirstLastPara="1" rIns="91425" wrap="square" tIns="91425">
-            <a:noAutofit/>
+            <a:spAutoFit/>
           </a:bodyPr>
           <a:lstStyle/>
           <a:p>
-            <a:pPr indent="0" lvl="0" marL="0" rtl="0" algn="ctr">
-              <a:spcBef>
-                <a:spcPts val="0"/>
-              </a:spcBef>
-              <a:spcAft>
-                <a:spcPts val="0"/>
-              </a:spcAft>
-              <a:buSzPts val="990"/>
-              <a:buNone/>
-            </a:pPr>
-            <a:r>
-              <a:rPr lang="en" sz="6919">
+            <a:pPr indent="-298450" lvl="0" marL="457200" rtl="0" algn="l">
+              <a:spcBef>
+                <a:spcPts val="0"/>
+              </a:spcBef>
+              <a:spcAft>
+                <a:spcPts val="0"/>
+              </a:spcAft>
+              <a:buSzPts val="1100"/>
+              <a:buAutoNum type="arabicPeriod"/>
+            </a:pPr>
+            <a:r>
+              <a:rPr b="1" lang="en" sz="1100">
                 <a:solidFill>
-                  <a:schemeClr val="dk2"/>
+                  <a:srgbClr val="188038"/>
+                </a:solidFill>
+                <a:latin typeface="Roboto Mono"/>
+                <a:ea typeface="Roboto Mono"/>
+                <a:cs typeface="Roboto Mono"/>
+                <a:sym typeface="Roboto Mono"/>
+              </a:rPr>
+              <a:t>argparse</a:t>
+            </a:r>
+            <a:r>
+              <a:rPr lang="en" sz="1100">
+                <a:solidFill>
+                  <a:schemeClr val="dk1"/>
                 </a:solidFill>
               </a:rPr>
-              <a:t>Jay</a:t>
-            </a:r>
-            <a:endParaRPr sz="6919">
+              <a:t>:</a:t>
+            </a:r>
+            <a:br>
+              <a:rPr lang="en" sz="1100">
+                <a:solidFill>
+                  <a:schemeClr val="dk1"/>
+                </a:solidFill>
+              </a:rPr>
+            </a:br>
+            <a:r>
+              <a:rPr lang="en" sz="1100">
+                <a:solidFill>
+                  <a:schemeClr val="dk1"/>
+                </a:solidFill>
+              </a:rPr>
+              <a:t> Provides command-line argument parsing functionality for R scripts, similar to Python’s argparse. Useful for creating flexible, user-configurable command-line tools in R.</a:t>
+            </a:r>
+            <a:br>
+              <a:rPr lang="en" sz="1100">
+                <a:solidFill>
+                  <a:schemeClr val="dk1"/>
+                </a:solidFill>
+              </a:rPr>
+            </a:br>
+            <a:endParaRPr sz="1100">
               <a:solidFill>
-                <a:schemeClr val="dk2"/>
+                <a:schemeClr val="dk1"/>
+              </a:solidFill>
+            </a:endParaRPr>
+          </a:p>
+          <a:p>
+            <a:pPr indent="-298450" lvl="0" marL="457200" rtl="0" algn="l">
+              <a:spcBef>
+                <a:spcPts val="0"/>
+              </a:spcBef>
+              <a:spcAft>
+                <a:spcPts val="0"/>
+              </a:spcAft>
+              <a:buSzPts val="1100"/>
+              <a:buAutoNum type="arabicPeriod"/>
+            </a:pPr>
+            <a:r>
+              <a:rPr b="1" lang="en" sz="1100">
+                <a:solidFill>
+                  <a:srgbClr val="188038"/>
+                </a:solidFill>
+                <a:latin typeface="Roboto Mono"/>
+                <a:ea typeface="Roboto Mono"/>
+                <a:cs typeface="Roboto Mono"/>
+                <a:sym typeface="Roboto Mono"/>
+              </a:rPr>
+              <a:t>clusterProfiler</a:t>
+            </a:r>
+            <a:r>
+              <a:rPr lang="en" sz="1100">
+                <a:solidFill>
+                  <a:schemeClr val="dk1"/>
+                </a:solidFill>
+              </a:rPr>
+              <a:t>:</a:t>
+            </a:r>
+            <a:br>
+              <a:rPr lang="en" sz="1100">
+                <a:solidFill>
+                  <a:schemeClr val="dk1"/>
+                </a:solidFill>
+              </a:rPr>
+            </a:br>
+            <a:r>
+              <a:rPr lang="en" sz="1100">
+                <a:solidFill>
+                  <a:schemeClr val="dk1"/>
+                </a:solidFill>
+              </a:rPr>
+              <a:t> A Bioconductor package for functional enrichment analysis (GO, KEGG, etc.) of gene clusters.  It supports visualization and comparison of biological themes among gene clusters.</a:t>
+            </a:r>
+            <a:br>
+              <a:rPr lang="en" sz="1100">
+                <a:solidFill>
+                  <a:schemeClr val="dk1"/>
+                </a:solidFill>
+              </a:rPr>
+            </a:br>
+            <a:endParaRPr sz="1100">
+              <a:solidFill>
+                <a:schemeClr val="dk1"/>
+              </a:solidFill>
+            </a:endParaRPr>
+          </a:p>
+          <a:p>
+            <a:pPr indent="-298450" lvl="0" marL="457200" rtl="0" algn="l">
+              <a:spcBef>
+                <a:spcPts val="0"/>
+              </a:spcBef>
+              <a:spcAft>
+                <a:spcPts val="0"/>
+              </a:spcAft>
+              <a:buSzPts val="1100"/>
+              <a:buAutoNum type="arabicPeriod"/>
+            </a:pPr>
+            <a:r>
+              <a:rPr b="1" lang="en" sz="1100">
+                <a:solidFill>
+                  <a:srgbClr val="188038"/>
+                </a:solidFill>
+                <a:latin typeface="Roboto Mono"/>
+                <a:ea typeface="Roboto Mono"/>
+                <a:cs typeface="Roboto Mono"/>
+                <a:sym typeface="Roboto Mono"/>
+              </a:rPr>
+              <a:t>org.Hs.eg.db</a:t>
+            </a:r>
+            <a:r>
+              <a:rPr lang="en" sz="1100">
+                <a:solidFill>
+                  <a:schemeClr val="dk1"/>
+                </a:solidFill>
+              </a:rPr>
+              <a:t>:</a:t>
+            </a:r>
+            <a:br>
+              <a:rPr lang="en" sz="1100">
+                <a:solidFill>
+                  <a:schemeClr val="dk1"/>
+                </a:solidFill>
+              </a:rPr>
+            </a:br>
+            <a:r>
+              <a:rPr lang="en" sz="1100">
+                <a:solidFill>
+                  <a:schemeClr val="dk1"/>
+                </a:solidFill>
+              </a:rPr>
+              <a:t> An annotation package containing mappings between human gene identifiers and biological metadata.  Often used with Bioconductor workflows for converting gene symbols, Entrez IDs, and other identifiers.</a:t>
+            </a:r>
+            <a:br>
+              <a:rPr lang="en" sz="1100">
+                <a:solidFill>
+                  <a:schemeClr val="dk1"/>
+                </a:solidFill>
+              </a:rPr>
+            </a:br>
+            <a:endParaRPr sz="1100">
+              <a:solidFill>
+                <a:schemeClr val="dk1"/>
+              </a:solidFill>
+            </a:endParaRPr>
+          </a:p>
+          <a:p>
+            <a:pPr indent="-298450" lvl="0" marL="457200" rtl="0" algn="l">
+              <a:spcBef>
+                <a:spcPts val="0"/>
+              </a:spcBef>
+              <a:spcAft>
+                <a:spcPts val="0"/>
+              </a:spcAft>
+              <a:buSzPts val="1100"/>
+              <a:buAutoNum type="arabicPeriod"/>
+            </a:pPr>
+            <a:r>
+              <a:rPr b="1" lang="en" sz="1100">
+                <a:solidFill>
+                  <a:srgbClr val="188038"/>
+                </a:solidFill>
+                <a:latin typeface="Roboto Mono"/>
+                <a:ea typeface="Roboto Mono"/>
+                <a:cs typeface="Roboto Mono"/>
+                <a:sym typeface="Roboto Mono"/>
+              </a:rPr>
+              <a:t>ggplot2</a:t>
+            </a:r>
+            <a:r>
+              <a:rPr lang="en" sz="1100">
+                <a:solidFill>
+                  <a:schemeClr val="dk1"/>
+                </a:solidFill>
+              </a:rPr>
+              <a:t>:</a:t>
+            </a:r>
+            <a:br>
+              <a:rPr lang="en" sz="1100">
+                <a:solidFill>
+                  <a:schemeClr val="dk1"/>
+                </a:solidFill>
+              </a:rPr>
+            </a:br>
+            <a:r>
+              <a:rPr lang="en" sz="1100">
+                <a:solidFill>
+                  <a:schemeClr val="dk1"/>
+                </a:solidFill>
+              </a:rPr>
+              <a:t> A popular and powerful data visualization library for R based on the Grammar of Graphics. Enables creating complex, multi-layered, publication-quality plots with concise syntax.</a:t>
+            </a:r>
+            <a:br>
+              <a:rPr lang="en" sz="1100">
+                <a:solidFill>
+                  <a:schemeClr val="dk1"/>
+                </a:solidFill>
+              </a:rPr>
+            </a:br>
+            <a:endParaRPr sz="1100">
+              <a:solidFill>
+                <a:schemeClr val="dk1"/>
+              </a:solidFill>
+            </a:endParaRPr>
+          </a:p>
+          <a:p>
+            <a:pPr indent="-298450" lvl="0" marL="457200" rtl="0" algn="l">
+              <a:spcBef>
+                <a:spcPts val="0"/>
+              </a:spcBef>
+              <a:spcAft>
+                <a:spcPts val="0"/>
+              </a:spcAft>
+              <a:buSzPts val="1100"/>
+              <a:buAutoNum type="arabicPeriod"/>
+            </a:pPr>
+            <a:r>
+              <a:rPr b="1" lang="en" sz="1100">
+                <a:solidFill>
+                  <a:srgbClr val="188038"/>
+                </a:solidFill>
+                <a:latin typeface="Roboto Mono"/>
+                <a:ea typeface="Roboto Mono"/>
+                <a:cs typeface="Roboto Mono"/>
+                <a:sym typeface="Roboto Mono"/>
+              </a:rPr>
+              <a:t>enrichplot</a:t>
+            </a:r>
+            <a:r>
+              <a:rPr lang="en" sz="1100">
+                <a:solidFill>
+                  <a:schemeClr val="dk1"/>
+                </a:solidFill>
+              </a:rPr>
+              <a:t>:</a:t>
+            </a:r>
+            <a:br>
+              <a:rPr lang="en" sz="1100">
+                <a:solidFill>
+                  <a:schemeClr val="dk1"/>
+                </a:solidFill>
+              </a:rPr>
+            </a:br>
+            <a:r>
+              <a:rPr lang="en" sz="1100">
+                <a:solidFill>
+                  <a:schemeClr val="dk1"/>
+                </a:solidFill>
+              </a:rPr>
+              <a:t> A Bioconductor package providing visualization tools specifically for enrichment analysis results. Integrates seamlessly with clusterProfiler to plot dotplots, enrichment maps, and other diagrams.</a:t>
+            </a:r>
+            <a:endParaRPr sz="1100">
+              <a:solidFill>
+                <a:schemeClr val="dk1"/>
               </a:solidFill>
             </a:endParaRPr>
           </a:p>
@@ -17076,7 +17342,7 @@
   <p:cSld>
     <p:spTree>
       <p:nvGrpSpPr>
-        <p:cNvPr id="378" name="Shape 378"/>
+        <p:cNvPr id="377" name="Shape 377"/>
         <p:cNvGrpSpPr/>
         <p:nvPr/>
       </p:nvGrpSpPr>
@@ -17090,7 +17356,7 @@
       </p:grpSpPr>
       <p:sp>
         <p:nvSpPr>
-          <p:cNvPr id="379" name="Google Shape;379;p48"/>
+          <p:cNvPr id="378" name="Google Shape;378;p48"/>
           <p:cNvSpPr txBox="1"/>
           <p:nvPr>
             <p:ph type="title"/>
@@ -17098,8 +17364,8 @@
         </p:nvSpPr>
         <p:spPr>
           <a:xfrm>
-            <a:off x="311700" y="1427150"/>
-            <a:ext cx="8520600" cy="572700"/>
+            <a:off x="392750" y="1868275"/>
+            <a:ext cx="8520600" cy="807000"/>
           </a:xfrm>
           <a:prstGeom prst="rect">
             <a:avLst/>
@@ -17107,31 +17373,30 @@
         </p:spPr>
         <p:txBody>
           <a:bodyPr anchorCtr="0" anchor="t" bIns="91425" lIns="91425" spcFirstLastPara="1" rIns="91425" wrap="square" tIns="91425">
-            <a:noAutofit/>
+            <a:normAutofit/>
           </a:bodyPr>
           <a:lstStyle/>
           <a:p>
-            <a:pPr indent="0" lvl="0" marL="0" rtl="0" algn="ctr">
-              <a:spcBef>
-                <a:spcPts val="0"/>
-              </a:spcBef>
-              <a:spcAft>
-                <a:spcPts val="0"/>
-              </a:spcAft>
-              <a:buSzPts val="990"/>
-              <a:buNone/>
-            </a:pPr>
-            <a:r>
-              <a:rPr lang="en" sz="3220"/>
-              <a:t>Thanks for joining this Training Session!</a:t>
-            </a:r>
-            <a:endParaRPr sz="3220"/>
+            <a:pPr indent="0" lvl="0" marL="0" rtl="0" algn="l">
+              <a:spcBef>
+                <a:spcPts val="0"/>
+              </a:spcBef>
+              <a:spcAft>
+                <a:spcPts val="0"/>
+              </a:spcAft>
+              <a:buNone/>
+            </a:pPr>
+            <a:r>
+              <a:rPr lang="en"/>
+              <a:t>Alternative ways to use  R/Bioconductor in Galaxy</a:t>
+            </a:r>
+            <a:endParaRPr/>
           </a:p>
         </p:txBody>
       </p:sp>
       <p:pic>
         <p:nvPicPr>
-          <p:cNvPr id="380" name="Google Shape;380;p48" title="galaxyproject.jpeg"/>
+          <p:cNvPr id="379" name="Google Shape;379;p48" title="galaxyproject.jpeg"/>
           <p:cNvPicPr preferRelativeResize="0"/>
           <p:nvPr/>
         </p:nvPicPr>
@@ -17159,7 +17424,266 @@
       </p:pic>
       <p:pic>
         <p:nvPicPr>
-          <p:cNvPr id="381" name="Google Shape;381;p48" title="Screenshot 2025-06-17 at 4.49.53 PM.png"/>
+          <p:cNvPr id="380" name="Google Shape;380;p48" title="Screenshot 2025-06-17 at 4.49.53 PM.png"/>
+          <p:cNvPicPr preferRelativeResize="0"/>
+          <p:nvPr/>
+        </p:nvPicPr>
+        <p:blipFill>
+          <a:blip r:embed="rId4">
+            <a:alphaModFix/>
+          </a:blip>
+          <a:stretch>
+            <a:fillRect/>
+          </a:stretch>
+        </p:blipFill>
+        <p:spPr>
+          <a:xfrm>
+            <a:off x="0" y="4262775"/>
+            <a:ext cx="2482700" cy="880725"/>
+          </a:xfrm>
+          <a:prstGeom prst="rect">
+            <a:avLst/>
+          </a:prstGeom>
+          <a:noFill/>
+          <a:ln>
+            <a:noFill/>
+          </a:ln>
+        </p:spPr>
+      </p:pic>
+    </p:spTree>
+  </p:cSld>
+  <p:clrMapOvr>
+    <a:masterClrMapping/>
+  </p:clrMapOvr>
+</p:sld>
+</file>
+
+<file path=ppt/slides/slide37.xml><?xml version="1.0" encoding="utf-8"?>
+<p:sld xmlns:a="http://schemas.openxmlformats.org/drawingml/2006/main" xmlns:r="http://schemas.openxmlformats.org/officeDocument/2006/relationships" xmlns:mc="http://schemas.openxmlformats.org/markup-compatibility/2006" xmlns:mv="urn:schemas-microsoft-com:mac:vml" xmlns:p="http://schemas.openxmlformats.org/presentationml/2006/main" xmlns:c="http://schemas.openxmlformats.org/drawingml/2006/chart" xmlns:dgm="http://schemas.openxmlformats.org/drawingml/2006/diagram" xmlns:o="urn:schemas-microsoft-com:office:office" xmlns:v="urn:schemas-microsoft-com:vml" xmlns:pvml="urn:schemas-microsoft-com:office:powerpoint" xmlns:com="http://schemas.openxmlformats.org/drawingml/2006/compatibility" xmlns:p14="http://schemas.microsoft.com/office/powerpoint/2010/main" xmlns:p15="http://schemas.microsoft.com/office/powerpoint/2012/main" xmlns:ahyp="http://schemas.microsoft.com/office/drawing/2018/hyperlinkcolor">
+  <p:cSld>
+    <p:spTree>
+      <p:nvGrpSpPr>
+        <p:cNvPr id="384" name="Shape 384"/>
+        <p:cNvGrpSpPr/>
+        <p:nvPr/>
+      </p:nvGrpSpPr>
+      <p:grpSpPr>
+        <a:xfrm>
+          <a:off x="0" y="0"/>
+          <a:ext cx="0" cy="0"/>
+          <a:chOff x="0" y="0"/>
+          <a:chExt cx="0" cy="0"/>
+        </a:xfrm>
+      </p:grpSpPr>
+      <p:sp>
+        <p:nvSpPr>
+          <p:cNvPr id="385" name="Google Shape;385;p49"/>
+          <p:cNvSpPr txBox="1"/>
+          <p:nvPr>
+            <p:ph type="title"/>
+          </p:nvPr>
+        </p:nvSpPr>
+        <p:spPr>
+          <a:xfrm>
+            <a:off x="311700" y="445025"/>
+            <a:ext cx="8520600" cy="572700"/>
+          </a:xfrm>
+          <a:prstGeom prst="rect">
+            <a:avLst/>
+          </a:prstGeom>
+        </p:spPr>
+        <p:txBody>
+          <a:bodyPr anchorCtr="0" anchor="t" bIns="91425" lIns="91425" spcFirstLastPara="1" rIns="91425" wrap="square" tIns="91425">
+            <a:normAutofit fontScale="90000"/>
+          </a:bodyPr>
+          <a:lstStyle/>
+          <a:p>
+            <a:pPr indent="0" lvl="0" marL="0" rtl="0" algn="l">
+              <a:spcBef>
+                <a:spcPts val="0"/>
+              </a:spcBef>
+              <a:spcAft>
+                <a:spcPts val="0"/>
+              </a:spcAft>
+              <a:buNone/>
+            </a:pPr>
+            <a:r>
+              <a:rPr lang="en"/>
+              <a:t>Alternative ways to use </a:t>
+            </a:r>
+            <a:endParaRPr/>
+          </a:p>
+          <a:p>
+            <a:pPr indent="0" lvl="0" marL="0" rtl="0" algn="l">
+              <a:spcBef>
+                <a:spcPts val="0"/>
+              </a:spcBef>
+              <a:spcAft>
+                <a:spcPts val="0"/>
+              </a:spcAft>
+              <a:buNone/>
+            </a:pPr>
+            <a:r>
+              <a:rPr lang="en"/>
+              <a:t>R/Bioconductor in Galaxy</a:t>
+            </a:r>
+            <a:endParaRPr/>
+          </a:p>
+        </p:txBody>
+      </p:sp>
+      <p:pic>
+        <p:nvPicPr>
+          <p:cNvPr id="386" name="Google Shape;386;p49" title="galaxyproject.jpeg"/>
+          <p:cNvPicPr preferRelativeResize="0"/>
+          <p:nvPr/>
+        </p:nvPicPr>
+        <p:blipFill>
+          <a:blip r:embed="rId3">
+            <a:alphaModFix/>
+          </a:blip>
+          <a:stretch>
+            <a:fillRect/>
+          </a:stretch>
+        </p:blipFill>
+        <p:spPr>
+          <a:xfrm>
+            <a:off x="7145075" y="0"/>
+            <a:ext cx="1998920" cy="707625"/>
+          </a:xfrm>
+          <a:prstGeom prst="rect">
+            <a:avLst/>
+          </a:prstGeom>
+          <a:noFill/>
+          <a:ln>
+            <a:noFill/>
+          </a:ln>
+        </p:spPr>
+      </p:pic>
+      <p:pic>
+        <p:nvPicPr>
+          <p:cNvPr id="387" name="Google Shape;387;p49" title="Screenshot 2025-06-17 at 4.49.53 PM.png"/>
+          <p:cNvPicPr preferRelativeResize="0"/>
+          <p:nvPr/>
+        </p:nvPicPr>
+        <p:blipFill>
+          <a:blip r:embed="rId4">
+            <a:alphaModFix/>
+          </a:blip>
+          <a:stretch>
+            <a:fillRect/>
+          </a:stretch>
+        </p:blipFill>
+        <p:spPr>
+          <a:xfrm>
+            <a:off x="0" y="4262775"/>
+            <a:ext cx="2482700" cy="880725"/>
+          </a:xfrm>
+          <a:prstGeom prst="rect">
+            <a:avLst/>
+          </a:prstGeom>
+          <a:noFill/>
+          <a:ln>
+            <a:noFill/>
+          </a:ln>
+        </p:spPr>
+      </p:pic>
+    </p:spTree>
+  </p:cSld>
+  <p:clrMapOvr>
+    <a:masterClrMapping/>
+  </p:clrMapOvr>
+</p:sld>
+</file>
+
+<file path=ppt/slides/slide38.xml><?xml version="1.0" encoding="utf-8"?>
+<p:sld xmlns:a="http://schemas.openxmlformats.org/drawingml/2006/main" xmlns:r="http://schemas.openxmlformats.org/officeDocument/2006/relationships" xmlns:mc="http://schemas.openxmlformats.org/markup-compatibility/2006" xmlns:mv="urn:schemas-microsoft-com:mac:vml" xmlns:p="http://schemas.openxmlformats.org/presentationml/2006/main" xmlns:c="http://schemas.openxmlformats.org/drawingml/2006/chart" xmlns:dgm="http://schemas.openxmlformats.org/drawingml/2006/diagram" xmlns:o="urn:schemas-microsoft-com:office:office" xmlns:v="urn:schemas-microsoft-com:vml" xmlns:pvml="urn:schemas-microsoft-com:office:powerpoint" xmlns:com="http://schemas.openxmlformats.org/drawingml/2006/compatibility" xmlns:p14="http://schemas.microsoft.com/office/powerpoint/2010/main" xmlns:p15="http://schemas.microsoft.com/office/powerpoint/2012/main" xmlns:ahyp="http://schemas.microsoft.com/office/drawing/2018/hyperlinkcolor">
+  <p:cSld>
+    <p:spTree>
+      <p:nvGrpSpPr>
+        <p:cNvPr id="391" name="Shape 391"/>
+        <p:cNvGrpSpPr/>
+        <p:nvPr/>
+      </p:nvGrpSpPr>
+      <p:grpSpPr>
+        <a:xfrm>
+          <a:off x="0" y="0"/>
+          <a:ext cx="0" cy="0"/>
+          <a:chOff x="0" y="0"/>
+          <a:chExt cx="0" cy="0"/>
+        </a:xfrm>
+      </p:grpSpPr>
+      <p:sp>
+        <p:nvSpPr>
+          <p:cNvPr id="392" name="Google Shape;392;p50"/>
+          <p:cNvSpPr txBox="1"/>
+          <p:nvPr>
+            <p:ph type="title"/>
+          </p:nvPr>
+        </p:nvSpPr>
+        <p:spPr>
+          <a:xfrm>
+            <a:off x="311700" y="1427150"/>
+            <a:ext cx="8520600" cy="572700"/>
+          </a:xfrm>
+          <a:prstGeom prst="rect">
+            <a:avLst/>
+          </a:prstGeom>
+        </p:spPr>
+        <p:txBody>
+          <a:bodyPr anchorCtr="0" anchor="t" bIns="91425" lIns="91425" spcFirstLastPara="1" rIns="91425" wrap="square" tIns="91425">
+            <a:noAutofit/>
+          </a:bodyPr>
+          <a:lstStyle/>
+          <a:p>
+            <a:pPr indent="0" lvl="0" marL="0" rtl="0" algn="ctr">
+              <a:spcBef>
+                <a:spcPts val="0"/>
+              </a:spcBef>
+              <a:spcAft>
+                <a:spcPts val="0"/>
+              </a:spcAft>
+              <a:buSzPts val="990"/>
+              <a:buNone/>
+            </a:pPr>
+            <a:r>
+              <a:rPr lang="en" sz="3220"/>
+              <a:t>Thanks for joining this Training Session!</a:t>
+            </a:r>
+            <a:endParaRPr sz="3220"/>
+          </a:p>
+        </p:txBody>
+      </p:sp>
+      <p:pic>
+        <p:nvPicPr>
+          <p:cNvPr id="393" name="Google Shape;393;p50" title="galaxyproject.jpeg"/>
+          <p:cNvPicPr preferRelativeResize="0"/>
+          <p:nvPr/>
+        </p:nvPicPr>
+        <p:blipFill>
+          <a:blip r:embed="rId3">
+            <a:alphaModFix/>
+          </a:blip>
+          <a:stretch>
+            <a:fillRect/>
+          </a:stretch>
+        </p:blipFill>
+        <p:spPr>
+          <a:xfrm>
+            <a:off x="7145075" y="0"/>
+            <a:ext cx="1998920" cy="707625"/>
+          </a:xfrm>
+          <a:prstGeom prst="rect">
+            <a:avLst/>
+          </a:prstGeom>
+          <a:noFill/>
+          <a:ln>
+            <a:noFill/>
+          </a:ln>
+        </p:spPr>
+      </p:pic>
+      <p:pic>
+        <p:nvPicPr>
+          <p:cNvPr id="394" name="Google Shape;394;p50" title="Screenshot 2025-06-17 at 4.49.53 PM.png"/>
           <p:cNvPicPr preferRelativeResize="0"/>
           <p:nvPr/>
         </p:nvPicPr>
@@ -17198,7 +17722,7 @@
   <p:cSld>
     <p:spTree>
       <p:nvGrpSpPr>
-        <p:cNvPr id="82" name="Shape 82"/>
+        <p:cNvPr id="79" name="Shape 79"/>
         <p:cNvGrpSpPr/>
         <p:nvPr/>
       </p:nvGrpSpPr>
@@ -17212,7 +17736,7 @@
       </p:grpSpPr>
       <p:sp>
         <p:nvSpPr>
-          <p:cNvPr id="83" name="Google Shape;83;p16"/>
+          <p:cNvPr id="80" name="Google Shape;80;p16"/>
           <p:cNvSpPr txBox="1"/>
           <p:nvPr>
             <p:ph type="title"/>
@@ -17256,47 +17780,222 @@
               <a:spcAft>
                 <a:spcPts val="0"/>
               </a:spcAft>
-              <a:buNone/>
-            </a:pPr>
-            <a:r>
-              <a:rPr i="1" lang="en" sz="2022"/>
-              <a:t>Core values</a:t>
-            </a:r>
-            <a:endParaRPr i="1" sz="2022"/>
+              <a:buClr>
+                <a:schemeClr val="dk1"/>
+              </a:buClr>
+              <a:buSzPct val="70714"/>
+              <a:buFont typeface="Arial"/>
+              <a:buNone/>
+            </a:pPr>
+            <a:r>
+              <a:rPr lang="en" sz="1555">
+                <a:solidFill>
+                  <a:schemeClr val="accent1"/>
+                </a:solidFill>
+              </a:rPr>
+              <a:t>The Galaxy platform for accessible, reproducible and collaborative biomedical analyses: 2024 update</a:t>
+            </a:r>
+            <a:endParaRPr sz="1555">
+              <a:solidFill>
+                <a:schemeClr val="accent1"/>
+              </a:solidFill>
+            </a:endParaRPr>
+          </a:p>
+          <a:p>
+            <a:pPr indent="0" lvl="0" marL="0" rtl="0" algn="l">
+              <a:spcBef>
+                <a:spcPts val="0"/>
+              </a:spcBef>
+              <a:spcAft>
+                <a:spcPts val="0"/>
+              </a:spcAft>
+              <a:buNone/>
+            </a:pPr>
+            <a:r>
+              <a:rPr lang="en" sz="1555" u="sng">
+                <a:solidFill>
+                  <a:schemeClr val="accent1"/>
+                </a:solidFill>
+                <a:hlinkClick r:id="rId3">
+                  <a:extLst>
+                    <a:ext uri="{A12FA001-AC4F-418D-AE19-62706E023703}">
+                      <ahyp:hlinkClr val="tx"/>
+                    </a:ext>
+                  </a:extLst>
+                </a:hlinkClick>
+              </a:rPr>
+              <a:t>https://doi.org/10.1093/nar/gkae410</a:t>
+            </a:r>
+            <a:endParaRPr sz="1555" u="sng">
+              <a:solidFill>
+                <a:schemeClr val="accent1"/>
+              </a:solidFill>
+            </a:endParaRPr>
+          </a:p>
+        </p:txBody>
+      </p:sp>
+      <p:sp>
+        <p:nvSpPr>
+          <p:cNvPr id="81" name="Google Shape;81;p16"/>
+          <p:cNvSpPr txBox="1"/>
+          <p:nvPr>
+            <p:ph idx="1" type="body"/>
+          </p:nvPr>
+        </p:nvSpPr>
+        <p:spPr>
+          <a:xfrm>
+            <a:off x="311700" y="1457275"/>
+            <a:ext cx="8520600" cy="1723800"/>
+          </a:xfrm>
+          <a:prstGeom prst="rect">
+            <a:avLst/>
+          </a:prstGeom>
+        </p:spPr>
+        <p:txBody>
+          <a:bodyPr anchorCtr="0" anchor="t" bIns="91425" lIns="91425" spcFirstLastPara="1" rIns="91425" wrap="square" tIns="91425">
+            <a:noAutofit/>
+          </a:bodyPr>
+          <a:lstStyle/>
+          <a:p>
+            <a:pPr indent="-311150" lvl="0" marL="457200" rtl="0" algn="l">
+              <a:lnSpc>
+                <a:spcPct val="100000"/>
+              </a:lnSpc>
+              <a:spcBef>
+                <a:spcPts val="0"/>
+              </a:spcBef>
+              <a:spcAft>
+                <a:spcPts val="0"/>
+              </a:spcAft>
+              <a:buClr>
+                <a:schemeClr val="dk2"/>
+              </a:buClr>
+              <a:buSzPts val="1300"/>
+              <a:buChar char="●"/>
+            </a:pPr>
+            <a:r>
+              <a:rPr lang="en" sz="1300"/>
+              <a:t>Worldwide community project, supporting a multitude of discipline. Open source, open access!</a:t>
+            </a:r>
+            <a:endParaRPr sz="1300"/>
+          </a:p>
+          <a:p>
+            <a:pPr indent="0" lvl="0" marL="0" rtl="0" algn="l">
+              <a:lnSpc>
+                <a:spcPct val="100000"/>
+              </a:lnSpc>
+              <a:spcBef>
+                <a:spcPts val="0"/>
+              </a:spcBef>
+              <a:spcAft>
+                <a:spcPts val="0"/>
+              </a:spcAft>
+              <a:buClr>
+                <a:schemeClr val="dk1"/>
+              </a:buClr>
+              <a:buSzPts val="1100"/>
+              <a:buFont typeface="Arial"/>
+              <a:buNone/>
+            </a:pPr>
+            <a:r>
+              <a:t/>
+            </a:r>
+            <a:endParaRPr sz="1300"/>
+          </a:p>
+          <a:p>
+            <a:pPr indent="-311150" lvl="0" marL="457200" rtl="0" algn="l">
+              <a:lnSpc>
+                <a:spcPct val="100000"/>
+              </a:lnSpc>
+              <a:spcBef>
+                <a:spcPts val="0"/>
+              </a:spcBef>
+              <a:spcAft>
+                <a:spcPts val="0"/>
+              </a:spcAft>
+              <a:buClr>
+                <a:schemeClr val="dk2"/>
+              </a:buClr>
+              <a:buSzPts val="1300"/>
+              <a:buChar char="●"/>
+            </a:pPr>
+            <a:r>
+              <a:rPr lang="en" sz="1300"/>
+              <a:t>Workflow management system, with the aim of making computational tools accessible to researchers without a programming background. </a:t>
+            </a:r>
+            <a:r>
+              <a:rPr i="1" lang="en" sz="1300"/>
+              <a:t>“</a:t>
+            </a:r>
+            <a:r>
+              <a:rPr i="1" lang="en" sz="1300">
+                <a:solidFill>
+                  <a:schemeClr val="accent1"/>
+                </a:solidFill>
+              </a:rPr>
+              <a:t>We code so other people don’t have to</a:t>
+            </a:r>
+            <a:r>
+              <a:rPr i="1" lang="en" sz="1300"/>
+              <a:t>”</a:t>
+            </a:r>
+            <a:r>
+              <a:rPr lang="en" sz="1300"/>
+              <a:t>.</a:t>
+            </a:r>
+            <a:endParaRPr sz="1300"/>
+          </a:p>
+          <a:p>
+            <a:pPr indent="0" lvl="0" marL="0" rtl="0" algn="l">
+              <a:lnSpc>
+                <a:spcPct val="100000"/>
+              </a:lnSpc>
+              <a:spcBef>
+                <a:spcPts val="0"/>
+              </a:spcBef>
+              <a:spcAft>
+                <a:spcPts val="0"/>
+              </a:spcAft>
+              <a:buClr>
+                <a:schemeClr val="dk1"/>
+              </a:buClr>
+              <a:buSzPts val="1100"/>
+              <a:buFont typeface="Arial"/>
+              <a:buNone/>
+            </a:pPr>
+            <a:r>
+              <a:t/>
+            </a:r>
+            <a:endParaRPr sz="1300"/>
+          </a:p>
+          <a:p>
+            <a:pPr indent="-311150" lvl="0" marL="457200" rtl="0" algn="l">
+              <a:lnSpc>
+                <a:spcPct val="100000"/>
+              </a:lnSpc>
+              <a:spcBef>
+                <a:spcPts val="0"/>
+              </a:spcBef>
+              <a:spcAft>
+                <a:spcPts val="0"/>
+              </a:spcAft>
+              <a:buClr>
+                <a:schemeClr val="dk2"/>
+              </a:buClr>
+              <a:buSzPts val="1300"/>
+              <a:buChar char="●"/>
+            </a:pPr>
+            <a:r>
+              <a:rPr lang="en" sz="1300"/>
+              <a:t>We write tools for bioinformatics and computational chemistry software, helping researchers bridge the gap between theory and experiments.</a:t>
+            </a:r>
+            <a:endParaRPr sz="1300"/>
           </a:p>
         </p:txBody>
       </p:sp>
       <p:pic>
         <p:nvPicPr>
-          <p:cNvPr id="84" name="Google Shape;84;p16" title="galaxyproject.jpeg"/>
-          <p:cNvPicPr preferRelativeResize="0"/>
-          <p:nvPr/>
-        </p:nvPicPr>
-        <p:blipFill>
-          <a:blip r:embed="rId3">
-            <a:alphaModFix/>
-          </a:blip>
-          <a:stretch>
-            <a:fillRect/>
-          </a:stretch>
-        </p:blipFill>
-        <p:spPr>
-          <a:xfrm>
-            <a:off x="7145075" y="0"/>
-            <a:ext cx="1998920" cy="707625"/>
-          </a:xfrm>
-          <a:prstGeom prst="rect">
-            <a:avLst/>
-          </a:prstGeom>
-          <a:noFill/>
-          <a:ln>
-            <a:noFill/>
-          </a:ln>
-        </p:spPr>
-      </p:pic>
-      <p:pic>
-        <p:nvPicPr>
-          <p:cNvPr id="85" name="Google Shape;85;p16" title="Screenshot 2025-06-17 at 4.49.53 PM.png"/>
+          <p:cNvPr id="82" name="Google Shape;82;p16" title="galaxyproject.jpeg"/>
           <p:cNvPicPr preferRelativeResize="0"/>
           <p:nvPr/>
         </p:nvPicPr>
@@ -17310,8 +18009,8 @@
         </p:blipFill>
         <p:spPr>
           <a:xfrm>
-            <a:off x="0" y="4262775"/>
-            <a:ext cx="2482700" cy="880725"/>
+            <a:off x="7145075" y="0"/>
+            <a:ext cx="1998920" cy="707625"/>
           </a:xfrm>
           <a:prstGeom prst="rect">
             <a:avLst/>
@@ -17322,156 +18021,158 @@
           </a:ln>
         </p:spPr>
       </p:pic>
+      <p:pic>
+        <p:nvPicPr>
+          <p:cNvPr descr="Saved and restored Terminal window group with commands" id="83" name="Google Shape;83;p16"/>
+          <p:cNvPicPr preferRelativeResize="0"/>
+          <p:nvPr/>
+        </p:nvPicPr>
+        <p:blipFill rotWithShape="1">
+          <a:blip r:embed="rId5">
+            <a:alphaModFix/>
+          </a:blip>
+          <a:srcRect b="0" l="1083" r="2195" t="0"/>
+          <a:stretch/>
+        </p:blipFill>
+        <p:spPr>
+          <a:xfrm>
+            <a:off x="0" y="3136230"/>
+            <a:ext cx="4205675" cy="2447795"/>
+          </a:xfrm>
+          <a:prstGeom prst="rect">
+            <a:avLst/>
+          </a:prstGeom>
+          <a:noFill/>
+          <a:ln>
+            <a:noFill/>
+          </a:ln>
+        </p:spPr>
+      </p:pic>
+      <p:pic>
+        <p:nvPicPr>
+          <p:cNvPr id="84" name="Google Shape;84;p16"/>
+          <p:cNvPicPr preferRelativeResize="0"/>
+          <p:nvPr/>
+        </p:nvPicPr>
+        <p:blipFill>
+          <a:blip r:embed="rId6">
+            <a:alphaModFix/>
+          </a:blip>
+          <a:stretch>
+            <a:fillRect/>
+          </a:stretch>
+        </p:blipFill>
+        <p:spPr>
+          <a:xfrm>
+            <a:off x="4369600" y="3136225"/>
+            <a:ext cx="4774400" cy="2447799"/>
+          </a:xfrm>
+          <a:prstGeom prst="rect">
+            <a:avLst/>
+          </a:prstGeom>
+          <a:noFill/>
+          <a:ln>
+            <a:noFill/>
+          </a:ln>
+        </p:spPr>
+      </p:pic>
+      <p:sp>
+        <p:nvSpPr>
+          <p:cNvPr id="85" name="Google Shape;85;p16"/>
+          <p:cNvSpPr txBox="1"/>
+          <p:nvPr/>
+        </p:nvSpPr>
+        <p:spPr>
+          <a:xfrm>
+            <a:off x="908525" y="3824475"/>
+            <a:ext cx="2388600" cy="461700"/>
+          </a:xfrm>
+          <a:prstGeom prst="rect">
+            <a:avLst/>
+          </a:prstGeom>
+          <a:noFill/>
+          <a:ln>
+            <a:noFill/>
+          </a:ln>
+        </p:spPr>
+        <p:txBody>
+          <a:bodyPr anchorCtr="0" anchor="t" bIns="91425" lIns="91425" spcFirstLastPara="1" rIns="91425" wrap="square" tIns="91425">
+            <a:spAutoFit/>
+          </a:bodyPr>
+          <a:lstStyle/>
+          <a:p>
+            <a:pPr indent="0" lvl="0" marL="0" rtl="0" algn="ctr">
+              <a:spcBef>
+                <a:spcPts val="0"/>
+              </a:spcBef>
+              <a:spcAft>
+                <a:spcPts val="0"/>
+              </a:spcAft>
+              <a:buNone/>
+            </a:pPr>
+            <a:r>
+              <a:rPr lang="en" sz="1800">
+                <a:highlight>
+                  <a:srgbClr val="F1C232"/>
+                </a:highlight>
+              </a:rPr>
+              <a:t>Boring and difficult!</a:t>
+            </a:r>
+            <a:endParaRPr sz="1800">
+              <a:highlight>
+                <a:srgbClr val="F1C232"/>
+              </a:highlight>
+            </a:endParaRPr>
+          </a:p>
+        </p:txBody>
+      </p:sp>
       <p:sp>
         <p:nvSpPr>
           <p:cNvPr id="86" name="Google Shape;86;p16"/>
           <p:cNvSpPr txBox="1"/>
-          <p:nvPr>
-            <p:ph idx="1" type="body"/>
-          </p:nvPr>
+          <p:nvPr/>
         </p:nvSpPr>
         <p:spPr>
           <a:xfrm>
-            <a:off x="311700" y="1457275"/>
-            <a:ext cx="8520600" cy="3416400"/>
-          </a:xfrm>
-          <a:prstGeom prst="rect">
-            <a:avLst/>
-          </a:prstGeom>
+            <a:off x="5257400" y="3685875"/>
+            <a:ext cx="2998800" cy="738900"/>
+          </a:xfrm>
+          <a:prstGeom prst="rect">
+            <a:avLst/>
+          </a:prstGeom>
+          <a:noFill/>
+          <a:ln>
+            <a:noFill/>
+          </a:ln>
         </p:spPr>
         <p:txBody>
           <a:bodyPr anchorCtr="0" anchor="t" bIns="91425" lIns="91425" spcFirstLastPara="1" rIns="91425" wrap="square" tIns="91425">
-            <a:noAutofit/>
+            <a:spAutoFit/>
           </a:bodyPr>
           <a:lstStyle/>
           <a:p>
-            <a:pPr indent="-342900" lvl="0" marL="457200" rtl="0" algn="l">
-              <a:lnSpc>
-                <a:spcPct val="100000"/>
-              </a:lnSpc>
-              <a:spcBef>
-                <a:spcPts val="0"/>
-              </a:spcBef>
-              <a:spcAft>
-                <a:spcPts val="0"/>
-              </a:spcAft>
-              <a:buClr>
-                <a:schemeClr val="dk2"/>
-              </a:buClr>
-              <a:buSzPts val="1800"/>
-              <a:buChar char="●"/>
-            </a:pPr>
-            <a:r>
-              <a:rPr b="1" lang="en">
-                <a:solidFill>
-                  <a:schemeClr val="accent1"/>
-                </a:solidFill>
+            <a:pPr indent="0" lvl="0" marL="0" rtl="0" algn="ctr">
+              <a:spcBef>
+                <a:spcPts val="0"/>
+              </a:spcBef>
+              <a:spcAft>
+                <a:spcPts val="0"/>
+              </a:spcAft>
+              <a:buNone/>
+            </a:pPr>
+            <a:r>
+              <a:rPr lang="en" sz="1800">
+                <a:highlight>
+                  <a:srgbClr val="F1C232"/>
+                </a:highlight>
               </a:rPr>
-              <a:t>Accessibility</a:t>
-            </a:r>
-            <a:r>
-              <a:rPr lang="en"/>
-              <a:t>: users without programming experience can easily upload/retrieve data, run complex tools and workflows, and visualize data</a:t>
-            </a:r>
-            <a:endParaRPr/>
-          </a:p>
-          <a:p>
-            <a:pPr indent="0" lvl="0" marL="0" rtl="0" algn="l">
-              <a:lnSpc>
-                <a:spcPct val="100000"/>
-              </a:lnSpc>
-              <a:spcBef>
-                <a:spcPts val="0"/>
-              </a:spcBef>
-              <a:spcAft>
-                <a:spcPts val="0"/>
-              </a:spcAft>
-              <a:buNone/>
-            </a:pPr>
-            <a:r>
-              <a:t/>
-            </a:r>
-            <a:endParaRPr/>
-          </a:p>
-          <a:p>
-            <a:pPr indent="-342900" lvl="0" marL="457200" rtl="0" algn="l">
-              <a:lnSpc>
-                <a:spcPct val="100000"/>
-              </a:lnSpc>
-              <a:spcBef>
-                <a:spcPts val="0"/>
-              </a:spcBef>
-              <a:spcAft>
-                <a:spcPts val="0"/>
-              </a:spcAft>
-              <a:buClr>
-                <a:schemeClr val="dk2"/>
-              </a:buClr>
-              <a:buSzPts val="1800"/>
-              <a:buChar char="●"/>
-            </a:pPr>
-            <a:r>
-              <a:rPr b="1" lang="en">
-                <a:solidFill>
-                  <a:schemeClr val="accent1"/>
-                </a:solidFill>
-              </a:rPr>
-              <a:t>Reproducibility</a:t>
-            </a:r>
-            <a:r>
-              <a:rPr lang="en"/>
-              <a:t>: Galaxy captures information so that any user can understand and repeat a complete computational analysis</a:t>
-            </a:r>
-            <a:endParaRPr/>
-          </a:p>
-          <a:p>
-            <a:pPr indent="0" lvl="0" marL="0" rtl="0" algn="l">
-              <a:lnSpc>
-                <a:spcPct val="100000"/>
-              </a:lnSpc>
-              <a:spcBef>
-                <a:spcPts val="0"/>
-              </a:spcBef>
-              <a:spcAft>
-                <a:spcPts val="0"/>
-              </a:spcAft>
-              <a:buNone/>
-            </a:pPr>
-            <a:r>
-              <a:t/>
-            </a:r>
-            <a:endParaRPr/>
-          </a:p>
-          <a:p>
-            <a:pPr indent="-342900" lvl="0" marL="457200" rtl="0" algn="l">
-              <a:lnSpc>
-                <a:spcPct val="100000"/>
-              </a:lnSpc>
-              <a:spcBef>
-                <a:spcPts val="0"/>
-              </a:spcBef>
-              <a:spcAft>
-                <a:spcPts val="0"/>
-              </a:spcAft>
-              <a:buClr>
-                <a:schemeClr val="dk2"/>
-              </a:buClr>
-              <a:buSzPts val="1800"/>
-              <a:buChar char="●"/>
-            </a:pPr>
-            <a:r>
-              <a:rPr b="1" lang="en">
-                <a:solidFill>
-                  <a:schemeClr val="accent1"/>
-                </a:solidFill>
-              </a:rPr>
-              <a:t>Transparency</a:t>
-            </a:r>
-            <a:r>
-              <a:rPr lang="en"/>
-              <a:t>: users can share or publish their analyses (histories, workflows, visualizations)</a:t>
-            </a:r>
-            <a:endParaRPr/>
+              <a:t>Reproducible, accessible, and more user friendly!</a:t>
+            </a:r>
+            <a:endParaRPr sz="1800">
+              <a:highlight>
+                <a:srgbClr val="F1C232"/>
+              </a:highlight>
+            </a:endParaRPr>
           </a:p>
         </p:txBody>
       </p:sp>
@@ -17486,13 +18187,6 @@
 <file path=ppt/slides/slide5.xml><?xml version="1.0" encoding="utf-8"?>
 <p:sld xmlns:a="http://schemas.openxmlformats.org/drawingml/2006/main" xmlns:r="http://schemas.openxmlformats.org/officeDocument/2006/relationships" xmlns:mc="http://schemas.openxmlformats.org/markup-compatibility/2006" xmlns:mv="urn:schemas-microsoft-com:mac:vml" xmlns:p="http://schemas.openxmlformats.org/presentationml/2006/main" xmlns:c="http://schemas.openxmlformats.org/drawingml/2006/chart" xmlns:dgm="http://schemas.openxmlformats.org/drawingml/2006/diagram" xmlns:o="urn:schemas-microsoft-com:office:office" xmlns:v="urn:schemas-microsoft-com:vml" xmlns:pvml="urn:schemas-microsoft-com:office:powerpoint" xmlns:com="http://schemas.openxmlformats.org/drawingml/2006/compatibility" xmlns:p14="http://schemas.microsoft.com/office/powerpoint/2010/main" xmlns:p15="http://schemas.microsoft.com/office/powerpoint/2012/main" xmlns:ahyp="http://schemas.microsoft.com/office/drawing/2018/hyperlinkcolor">
   <p:cSld>
-    <p:bg>
-      <p:bgPr>
-        <a:solidFill>
-          <a:schemeClr val="dk1"/>
-        </a:solidFill>
-      </p:bgPr>
-    </p:bg>
     <p:spTree>
       <p:nvGrpSpPr>
         <p:cNvPr id="90" name="Shape 90"/>
@@ -17540,18 +18234,10 @@
               <a:buNone/>
             </a:pPr>
             <a:r>
-              <a:rPr lang="en">
-                <a:solidFill>
-                  <a:schemeClr val="lt1"/>
-                </a:solidFill>
-              </a:rPr>
+              <a:rPr lang="en"/>
               <a:t>Brief Introduction to Galaxy</a:t>
             </a:r>
-            <a:endParaRPr>
-              <a:solidFill>
-                <a:schemeClr val="lt1"/>
-              </a:solidFill>
-            </a:endParaRPr>
+            <a:endParaRPr/>
           </a:p>
           <a:p>
             <a:pPr indent="0" lvl="0" marL="0" rtl="0" algn="l">
@@ -17564,24 +18250,16 @@
               <a:buNone/>
             </a:pPr>
             <a:r>
-              <a:rPr i="1" lang="en" sz="2022">
-                <a:solidFill>
-                  <a:schemeClr val="lt1"/>
-                </a:solidFill>
-              </a:rPr>
-              <a:t>A few numbers</a:t>
-            </a:r>
-            <a:endParaRPr i="1" sz="2022">
-              <a:solidFill>
-                <a:schemeClr val="lt1"/>
-              </a:solidFill>
-            </a:endParaRPr>
+              <a:rPr i="1" lang="en" sz="2022"/>
+              <a:t>Core values</a:t>
+            </a:r>
+            <a:endParaRPr i="1" sz="2022"/>
           </a:p>
         </p:txBody>
       </p:sp>
       <p:pic>
         <p:nvPicPr>
-          <p:cNvPr id="92" name="Google Shape;92;p17" title="Screenshot 2025-06-17 at 4.49.53 PM.png"/>
+          <p:cNvPr id="92" name="Google Shape;92;p17" title="galaxyproject.jpeg"/>
           <p:cNvPicPr preferRelativeResize="0"/>
           <p:nvPr/>
         </p:nvPicPr>
@@ -17595,8 +18273,8 @@
         </p:blipFill>
         <p:spPr>
           <a:xfrm>
-            <a:off x="0" y="4262775"/>
-            <a:ext cx="2482700" cy="880725"/>
+            <a:off x="7145075" y="0"/>
+            <a:ext cx="1998920" cy="707625"/>
           </a:xfrm>
           <a:prstGeom prst="rect">
             <a:avLst/>
@@ -17609,7 +18287,7 @@
       </p:pic>
       <p:pic>
         <p:nvPicPr>
-          <p:cNvPr id="93" name="Google Shape;93;p17"/>
+          <p:cNvPr id="93" name="Google Shape;93;p17" title="Screenshot 2025-06-17 at 4.49.53 PM.png"/>
           <p:cNvPicPr preferRelativeResize="0"/>
           <p:nvPr/>
         </p:nvPicPr>
@@ -17623,8 +18301,8 @@
         </p:blipFill>
         <p:spPr>
           <a:xfrm>
-            <a:off x="7190612" y="12095"/>
-            <a:ext cx="1923151" cy="680575"/>
+            <a:off x="0" y="4262775"/>
+            <a:ext cx="2482700" cy="880725"/>
           </a:xfrm>
           <a:prstGeom prst="rect">
             <a:avLst/>
@@ -17635,62 +18313,159 @@
           </a:ln>
         </p:spPr>
       </p:pic>
-      <p:pic>
-        <p:nvPicPr>
+      <p:sp>
+        <p:nvSpPr>
           <p:cNvPr id="94" name="Google Shape;94;p17"/>
-          <p:cNvPicPr preferRelativeResize="0"/>
-          <p:nvPr/>
-        </p:nvPicPr>
-        <p:blipFill>
-          <a:blip r:embed="rId5">
-            <a:alphaModFix/>
-          </a:blip>
-          <a:stretch>
-            <a:fillRect/>
-          </a:stretch>
-        </p:blipFill>
-        <p:spPr>
-          <a:xfrm>
-            <a:off x="76200" y="1300086"/>
-            <a:ext cx="4533650" cy="2932338"/>
-          </a:xfrm>
-          <a:prstGeom prst="rect">
-            <a:avLst/>
-          </a:prstGeom>
-          <a:noFill/>
-          <a:ln>
-            <a:noFill/>
-          </a:ln>
-        </p:spPr>
-      </p:pic>
-      <p:pic>
-        <p:nvPicPr>
-          <p:cNvPr id="95" name="Google Shape;95;p17"/>
-          <p:cNvPicPr preferRelativeResize="0"/>
-          <p:nvPr/>
-        </p:nvPicPr>
-        <p:blipFill>
-          <a:blip r:embed="rId6">
-            <a:alphaModFix/>
-          </a:blip>
-          <a:stretch>
-            <a:fillRect/>
-          </a:stretch>
-        </p:blipFill>
-        <p:spPr>
-          <a:xfrm>
-            <a:off x="4533650" y="1236732"/>
-            <a:ext cx="4610350" cy="2995693"/>
-          </a:xfrm>
-          <a:prstGeom prst="rect">
-            <a:avLst/>
-          </a:prstGeom>
-          <a:noFill/>
-          <a:ln>
-            <a:noFill/>
-          </a:ln>
-        </p:spPr>
-      </p:pic>
+          <p:cNvSpPr txBox="1"/>
+          <p:nvPr>
+            <p:ph idx="1" type="body"/>
+          </p:nvPr>
+        </p:nvSpPr>
+        <p:spPr>
+          <a:xfrm>
+            <a:off x="311700" y="1457275"/>
+            <a:ext cx="8520600" cy="3416400"/>
+          </a:xfrm>
+          <a:prstGeom prst="rect">
+            <a:avLst/>
+          </a:prstGeom>
+        </p:spPr>
+        <p:txBody>
+          <a:bodyPr anchorCtr="0" anchor="t" bIns="91425" lIns="91425" spcFirstLastPara="1" rIns="91425" wrap="square" tIns="91425">
+            <a:noAutofit/>
+          </a:bodyPr>
+          <a:lstStyle/>
+          <a:p>
+            <a:pPr indent="-342900" lvl="0" marL="457200" rtl="0" algn="l">
+              <a:lnSpc>
+                <a:spcPct val="100000"/>
+              </a:lnSpc>
+              <a:spcBef>
+                <a:spcPts val="0"/>
+              </a:spcBef>
+              <a:spcAft>
+                <a:spcPts val="0"/>
+              </a:spcAft>
+              <a:buClr>
+                <a:schemeClr val="dk2"/>
+              </a:buClr>
+              <a:buSzPts val="1800"/>
+              <a:buChar char="●"/>
+            </a:pPr>
+            <a:r>
+              <a:rPr b="1" lang="en">
+                <a:solidFill>
+                  <a:schemeClr val="accent1"/>
+                </a:solidFill>
+              </a:rPr>
+              <a:t>Accessibility</a:t>
+            </a:r>
+            <a:r>
+              <a:rPr lang="en"/>
+              <a:t>: users without programming experience can easily upload/retrieve data, run complex tools and workflows, and visualize data</a:t>
+            </a:r>
+            <a:endParaRPr/>
+          </a:p>
+          <a:p>
+            <a:pPr indent="0" lvl="0" marL="0" rtl="0" algn="l">
+              <a:lnSpc>
+                <a:spcPct val="100000"/>
+              </a:lnSpc>
+              <a:spcBef>
+                <a:spcPts val="0"/>
+              </a:spcBef>
+              <a:spcAft>
+                <a:spcPts val="0"/>
+              </a:spcAft>
+              <a:buNone/>
+            </a:pPr>
+            <a:r>
+              <a:t/>
+            </a:r>
+            <a:endParaRPr/>
+          </a:p>
+          <a:p>
+            <a:pPr indent="-342900" lvl="0" marL="457200" rtl="0" algn="l">
+              <a:lnSpc>
+                <a:spcPct val="100000"/>
+              </a:lnSpc>
+              <a:spcBef>
+                <a:spcPts val="0"/>
+              </a:spcBef>
+              <a:spcAft>
+                <a:spcPts val="0"/>
+              </a:spcAft>
+              <a:buClr>
+                <a:schemeClr val="dk2"/>
+              </a:buClr>
+              <a:buSzPts val="1800"/>
+              <a:buChar char="●"/>
+            </a:pPr>
+            <a:r>
+              <a:rPr b="1" lang="en">
+                <a:solidFill>
+                  <a:schemeClr val="accent1"/>
+                </a:solidFill>
+              </a:rPr>
+              <a:t>Reproducibility</a:t>
+            </a:r>
+            <a:r>
+              <a:rPr lang="en"/>
+              <a:t>: Galaxy captures information so that any user can understand and repeat a complete computational analysis</a:t>
+            </a:r>
+            <a:endParaRPr/>
+          </a:p>
+          <a:p>
+            <a:pPr indent="0" lvl="0" marL="0" rtl="0" algn="l">
+              <a:lnSpc>
+                <a:spcPct val="100000"/>
+              </a:lnSpc>
+              <a:spcBef>
+                <a:spcPts val="0"/>
+              </a:spcBef>
+              <a:spcAft>
+                <a:spcPts val="0"/>
+              </a:spcAft>
+              <a:buNone/>
+            </a:pPr>
+            <a:r>
+              <a:t/>
+            </a:r>
+            <a:endParaRPr/>
+          </a:p>
+          <a:p>
+            <a:pPr indent="-342900" lvl="0" marL="457200" rtl="0" algn="l">
+              <a:lnSpc>
+                <a:spcPct val="100000"/>
+              </a:lnSpc>
+              <a:spcBef>
+                <a:spcPts val="0"/>
+              </a:spcBef>
+              <a:spcAft>
+                <a:spcPts val="0"/>
+              </a:spcAft>
+              <a:buClr>
+                <a:schemeClr val="dk2"/>
+              </a:buClr>
+              <a:buSzPts val="1800"/>
+              <a:buChar char="●"/>
+            </a:pPr>
+            <a:r>
+              <a:rPr b="1" lang="en">
+                <a:solidFill>
+                  <a:schemeClr val="accent1"/>
+                </a:solidFill>
+              </a:rPr>
+              <a:t>Transparency</a:t>
+            </a:r>
+            <a:r>
+              <a:rPr lang="en"/>
+              <a:t>: users can share or publish their analyses (histories, workflows, visualizations)</a:t>
+            </a:r>
+            <a:endParaRPr/>
+          </a:p>
+        </p:txBody>
+      </p:sp>
     </p:spTree>
   </p:cSld>
   <p:clrMapOvr>
@@ -17711,7 +18486,7 @@
     </p:bg>
     <p:spTree>
       <p:nvGrpSpPr>
-        <p:cNvPr id="99" name="Shape 99"/>
+        <p:cNvPr id="98" name="Shape 98"/>
         <p:cNvGrpSpPr/>
         <p:nvPr/>
       </p:nvGrpSpPr>
@@ -17725,7 +18500,7 @@
       </p:grpSpPr>
       <p:sp>
         <p:nvSpPr>
-          <p:cNvPr id="100" name="Google Shape;100;p18"/>
+          <p:cNvPr id="99" name="Google Shape;99;p18"/>
           <p:cNvSpPr txBox="1"/>
           <p:nvPr>
             <p:ph type="title"/>
@@ -17797,7 +18572,7 @@
       </p:sp>
       <p:pic>
         <p:nvPicPr>
-          <p:cNvPr id="101" name="Google Shape;101;p18" title="Screenshot 2025-06-17 at 4.49.53 PM.png"/>
+          <p:cNvPr id="100" name="Google Shape;100;p18" title="Screenshot 2025-06-17 at 4.49.53 PM.png"/>
           <p:cNvPicPr preferRelativeResize="0"/>
           <p:nvPr/>
         </p:nvPicPr>
@@ -17825,7 +18600,7 @@
       </p:pic>
       <p:pic>
         <p:nvPicPr>
-          <p:cNvPr id="102" name="Google Shape;102;p18"/>
+          <p:cNvPr id="101" name="Google Shape;101;p18"/>
           <p:cNvPicPr preferRelativeResize="0"/>
           <p:nvPr/>
         </p:nvPicPr>
@@ -17853,48 +18628,50 @@
       </p:pic>
       <p:pic>
         <p:nvPicPr>
+          <p:cNvPr id="102" name="Google Shape;102;p18"/>
+          <p:cNvPicPr preferRelativeResize="0"/>
+          <p:nvPr/>
+        </p:nvPicPr>
+        <p:blipFill>
+          <a:blip r:embed="rId5">
+            <a:alphaModFix/>
+          </a:blip>
+          <a:stretch>
+            <a:fillRect/>
+          </a:stretch>
+        </p:blipFill>
+        <p:spPr>
+          <a:xfrm>
+            <a:off x="76200" y="1300086"/>
+            <a:ext cx="4533650" cy="2932338"/>
+          </a:xfrm>
+          <a:prstGeom prst="rect">
+            <a:avLst/>
+          </a:prstGeom>
+          <a:noFill/>
+          <a:ln>
+            <a:noFill/>
+          </a:ln>
+        </p:spPr>
+      </p:pic>
+      <p:pic>
+        <p:nvPicPr>
           <p:cNvPr id="103" name="Google Shape;103;p18"/>
           <p:cNvPicPr preferRelativeResize="0"/>
           <p:nvPr/>
         </p:nvPicPr>
-        <p:blipFill rotWithShape="1">
-          <a:blip r:embed="rId5">
-            <a:alphaModFix/>
-          </a:blip>
-          <a:srcRect b="0" l="2281" r="2271" t="0"/>
-          <a:stretch/>
-        </p:blipFill>
-        <p:spPr>
-          <a:xfrm>
-            <a:off x="381000" y="1300086"/>
-            <a:ext cx="4533649" cy="2932339"/>
-          </a:xfrm>
-          <a:prstGeom prst="rect">
-            <a:avLst/>
-          </a:prstGeom>
-          <a:noFill/>
-          <a:ln>
-            <a:noFill/>
-          </a:ln>
-        </p:spPr>
-      </p:pic>
-      <p:pic>
-        <p:nvPicPr>
-          <p:cNvPr id="104" name="Google Shape;104;p18"/>
-          <p:cNvPicPr preferRelativeResize="0"/>
-          <p:nvPr/>
-        </p:nvPicPr>
-        <p:blipFill rotWithShape="1">
+        <p:blipFill>
           <a:blip r:embed="rId6">
             <a:alphaModFix/>
           </a:blip>
-          <a:srcRect b="0" l="0" r="0" t="0"/>
-          <a:stretch/>
+          <a:stretch>
+            <a:fillRect/>
+          </a:stretch>
         </p:blipFill>
         <p:spPr>
           <a:xfrm>
-            <a:off x="4937050" y="1093926"/>
-            <a:ext cx="3842992" cy="3347551"/>
+            <a:off x="4533650" y="1236732"/>
+            <a:ext cx="4610350" cy="2995693"/>
           </a:xfrm>
           <a:prstGeom prst="rect">
             <a:avLst/>
@@ -17916,9 +18693,16 @@
 <file path=ppt/slides/slide7.xml><?xml version="1.0" encoding="utf-8"?>
 <p:sld xmlns:a="http://schemas.openxmlformats.org/drawingml/2006/main" xmlns:r="http://schemas.openxmlformats.org/officeDocument/2006/relationships" xmlns:mc="http://schemas.openxmlformats.org/markup-compatibility/2006" xmlns:mv="urn:schemas-microsoft-com:mac:vml" xmlns:p="http://schemas.openxmlformats.org/presentationml/2006/main" xmlns:c="http://schemas.openxmlformats.org/drawingml/2006/chart" xmlns:dgm="http://schemas.openxmlformats.org/drawingml/2006/diagram" xmlns:o="urn:schemas-microsoft-com:office:office" xmlns:v="urn:schemas-microsoft-com:vml" xmlns:pvml="urn:schemas-microsoft-com:office:powerpoint" xmlns:com="http://schemas.openxmlformats.org/drawingml/2006/compatibility" xmlns:p14="http://schemas.microsoft.com/office/powerpoint/2010/main" xmlns:p15="http://schemas.microsoft.com/office/powerpoint/2012/main" xmlns:ahyp="http://schemas.microsoft.com/office/drawing/2018/hyperlinkcolor">
   <p:cSld>
+    <p:bg>
+      <p:bgPr>
+        <a:solidFill>
+          <a:schemeClr val="dk1"/>
+        </a:solidFill>
+      </p:bgPr>
+    </p:bg>
     <p:spTree>
       <p:nvGrpSpPr>
-        <p:cNvPr id="108" name="Shape 108"/>
+        <p:cNvPr id="107" name="Shape 107"/>
         <p:cNvGrpSpPr/>
         <p:nvPr/>
       </p:nvGrpSpPr>
@@ -17932,7 +18716,7 @@
       </p:grpSpPr>
       <p:sp>
         <p:nvSpPr>
-          <p:cNvPr id="109" name="Google Shape;109;p19"/>
+          <p:cNvPr id="108" name="Google Shape;108;p19"/>
           <p:cNvSpPr txBox="1"/>
           <p:nvPr>
             <p:ph type="title"/>
@@ -17963,210 +18747,76 @@
               <a:buNone/>
             </a:pPr>
             <a:r>
-              <a:rPr lang="en"/>
-              <a:t>Let’s Install Galaxy!</a:t>
-            </a:r>
-            <a:endParaRPr/>
-          </a:p>
-        </p:txBody>
-      </p:sp>
-      <p:sp>
-        <p:nvSpPr>
-          <p:cNvPr id="110" name="Google Shape;110;p19"/>
-          <p:cNvSpPr txBox="1"/>
-          <p:nvPr>
-            <p:ph idx="1" type="body"/>
-          </p:nvPr>
-        </p:nvSpPr>
-        <p:spPr>
-          <a:xfrm>
-            <a:off x="311700" y="1152475"/>
-            <a:ext cx="8520600" cy="3416400"/>
-          </a:xfrm>
-          <a:prstGeom prst="rect">
-            <a:avLst/>
-          </a:prstGeom>
-        </p:spPr>
-        <p:txBody>
-          <a:bodyPr anchorCtr="0" anchor="t" bIns="91425" lIns="91425" spcFirstLastPara="1" rIns="91425" wrap="square" tIns="91425">
-            <a:normAutofit/>
-          </a:bodyPr>
-          <a:lstStyle/>
-          <a:p>
-            <a:pPr indent="-342900" lvl="0" marL="457200" rtl="0" algn="l">
-              <a:spcBef>
-                <a:spcPts val="0"/>
-              </a:spcBef>
-              <a:spcAft>
-                <a:spcPts val="0"/>
-              </a:spcAft>
-              <a:buSzPts val="1800"/>
-              <a:buAutoNum type="arabicPeriod"/>
-            </a:pPr>
-            <a:r>
-              <a:rPr lang="en"/>
-              <a:t>Open your terminal</a:t>
-            </a:r>
-            <a:endParaRPr/>
-          </a:p>
-          <a:p>
-            <a:pPr indent="-342900" lvl="0" marL="457200" rtl="0" algn="l">
-              <a:spcBef>
-                <a:spcPts val="0"/>
-              </a:spcBef>
-              <a:spcAft>
-                <a:spcPts val="0"/>
-              </a:spcAft>
-              <a:buSzPts val="1800"/>
-              <a:buAutoNum type="arabicPeriod"/>
-            </a:pPr>
-            <a:r>
-              <a:rPr lang="en"/>
-              <a:t>Clone the latest version of Galaxy</a:t>
-            </a:r>
-            <a:endParaRPr/>
-          </a:p>
-          <a:p>
-            <a:pPr indent="-317500" lvl="1" marL="914400" rtl="0" algn="l">
-              <a:spcBef>
-                <a:spcPts val="0"/>
-              </a:spcBef>
-              <a:spcAft>
-                <a:spcPts val="0"/>
-              </a:spcAft>
-              <a:buSzPts val="1400"/>
-              <a:buAutoNum type="alphaLcPeriod"/>
-            </a:pPr>
-            <a:r>
-              <a:rPr lang="en"/>
-              <a:t>$ </a:t>
-            </a:r>
-            <a:r>
-              <a:rPr lang="en"/>
-              <a:t>g</a:t>
-            </a:r>
-            <a:r>
-              <a:rPr lang="en"/>
-              <a:t>it clone </a:t>
-            </a:r>
-            <a:r>
-              <a:rPr lang="en" u="sng">
+              <a:rPr lang="en">
                 <a:solidFill>
-                  <a:schemeClr val="hlink"/>
+                  <a:schemeClr val="lt1"/>
                 </a:solidFill>
-                <a:hlinkClick r:id="rId3"/>
               </a:rPr>
-              <a:t>https://github.com/galaxyproject/galaxy.git</a:t>
-            </a:r>
-            <a:endParaRPr/>
-          </a:p>
-          <a:p>
-            <a:pPr indent="-342900" lvl="0" marL="457200" rtl="0" algn="l">
-              <a:spcBef>
-                <a:spcPts val="0"/>
-              </a:spcBef>
-              <a:spcAft>
-                <a:spcPts val="0"/>
-              </a:spcAft>
-              <a:buSzPts val="1800"/>
-              <a:buAutoNum type="arabicPeriod"/>
-            </a:pPr>
-            <a:r>
-              <a:rPr lang="en"/>
-              <a:t>Go into the main Galaxy root directory</a:t>
-            </a:r>
-            <a:endParaRPr/>
-          </a:p>
-          <a:p>
-            <a:pPr indent="-317500" lvl="1" marL="914400" rtl="0" algn="l">
-              <a:spcBef>
-                <a:spcPts val="0"/>
-              </a:spcBef>
-              <a:spcAft>
-                <a:spcPts val="0"/>
-              </a:spcAft>
-              <a:buSzPts val="1400"/>
-              <a:buAutoNum type="alphaLcPeriod"/>
-            </a:pPr>
-            <a:r>
-              <a:rPr lang="en"/>
-              <a:t>$ cd galaxy/</a:t>
-            </a:r>
-            <a:endParaRPr/>
-          </a:p>
-          <a:p>
-            <a:pPr indent="-342900" lvl="0" marL="457200" rtl="0" algn="l">
-              <a:spcBef>
-                <a:spcPts val="0"/>
-              </a:spcBef>
-              <a:spcAft>
-                <a:spcPts val="0"/>
-              </a:spcAft>
-              <a:buSzPts val="1800"/>
-              <a:buAutoNum type="arabicPeriod"/>
-            </a:pPr>
-            <a:r>
-              <a:rPr lang="en"/>
-              <a:t>Ensure your python version &gt;= 3.9, either system wide or with an activated environment.</a:t>
-            </a:r>
-            <a:endParaRPr/>
-          </a:p>
-          <a:p>
-            <a:pPr indent="-317500" lvl="1" marL="914400" rtl="0" algn="l">
-              <a:spcBef>
-                <a:spcPts val="0"/>
-              </a:spcBef>
-              <a:spcAft>
-                <a:spcPts val="0"/>
-              </a:spcAft>
-              <a:buSzPts val="1400"/>
-              <a:buAutoNum type="alphaLcPeriod"/>
-            </a:pPr>
-            <a:r>
-              <a:rPr lang="en"/>
-              <a:t>$ python --version</a:t>
-            </a:r>
-            <a:endParaRPr/>
-          </a:p>
-          <a:p>
-            <a:pPr indent="-342900" lvl="0" marL="457200" rtl="0" algn="l">
-              <a:spcBef>
-                <a:spcPts val="0"/>
-              </a:spcBef>
-              <a:spcAft>
-                <a:spcPts val="0"/>
-              </a:spcAft>
-              <a:buSzPts val="1800"/>
-              <a:buAutoNum type="arabicPeriod"/>
-            </a:pPr>
-            <a:r>
-              <a:rPr lang="en"/>
-              <a:t>Fire it up!</a:t>
-            </a:r>
-            <a:endParaRPr/>
-          </a:p>
-          <a:p>
-            <a:pPr indent="-317500" lvl="1" marL="914400" rtl="0" algn="l">
-              <a:spcBef>
-                <a:spcPts val="0"/>
-              </a:spcBef>
-              <a:spcAft>
-                <a:spcPts val="0"/>
-              </a:spcAft>
-              <a:buSzPts val="1400"/>
-              <a:buAutoNum type="alphaLcPeriod"/>
-            </a:pPr>
-            <a:r>
-              <a:rPr lang="en"/>
-              <a:t>$ sh run.sh</a:t>
-            </a:r>
-            <a:endParaRPr/>
+              <a:t>Brief Introduction to Galaxy</a:t>
+            </a:r>
+            <a:endParaRPr>
+              <a:solidFill>
+                <a:schemeClr val="lt1"/>
+              </a:solidFill>
+            </a:endParaRPr>
+          </a:p>
+          <a:p>
+            <a:pPr indent="0" lvl="0" marL="0" rtl="0" algn="l">
+              <a:spcBef>
+                <a:spcPts val="0"/>
+              </a:spcBef>
+              <a:spcAft>
+                <a:spcPts val="0"/>
+              </a:spcAft>
+              <a:buNone/>
+            </a:pPr>
+            <a:r>
+              <a:rPr i="1" lang="en" sz="2022">
+                <a:solidFill>
+                  <a:schemeClr val="lt1"/>
+                </a:solidFill>
+              </a:rPr>
+              <a:t>A few numbers</a:t>
+            </a:r>
+            <a:endParaRPr i="1" sz="2022">
+              <a:solidFill>
+                <a:schemeClr val="lt1"/>
+              </a:solidFill>
+            </a:endParaRPr>
           </a:p>
         </p:txBody>
       </p:sp>
       <p:pic>
         <p:nvPicPr>
-          <p:cNvPr id="111" name="Google Shape;111;p19" title="galaxyproject.jpeg"/>
+          <p:cNvPr id="109" name="Google Shape;109;p19" title="Screenshot 2025-06-17 at 4.49.53 PM.png"/>
+          <p:cNvPicPr preferRelativeResize="0"/>
+          <p:nvPr/>
+        </p:nvPicPr>
+        <p:blipFill>
+          <a:blip r:embed="rId3">
+            <a:alphaModFix/>
+          </a:blip>
+          <a:stretch>
+            <a:fillRect/>
+          </a:stretch>
+        </p:blipFill>
+        <p:spPr>
+          <a:xfrm>
+            <a:off x="0" y="4262775"/>
+            <a:ext cx="2482700" cy="880725"/>
+          </a:xfrm>
+          <a:prstGeom prst="rect">
+            <a:avLst/>
+          </a:prstGeom>
+          <a:noFill/>
+          <a:ln>
+            <a:noFill/>
+          </a:ln>
+        </p:spPr>
+      </p:pic>
+      <p:pic>
+        <p:nvPicPr>
+          <p:cNvPr id="110" name="Google Shape;110;p19"/>
           <p:cNvPicPr preferRelativeResize="0"/>
           <p:nvPr/>
         </p:nvPicPr>
@@ -18180,8 +18830,8 @@
         </p:blipFill>
         <p:spPr>
           <a:xfrm>
-            <a:off x="7145075" y="0"/>
-            <a:ext cx="1998920" cy="707625"/>
+            <a:off x="7190612" y="12095"/>
+            <a:ext cx="1923151" cy="680575"/>
           </a:xfrm>
           <a:prstGeom prst="rect">
             <a:avLst/>
@@ -18194,22 +18844,48 @@
       </p:pic>
       <p:pic>
         <p:nvPicPr>
-          <p:cNvPr id="112" name="Google Shape;112;p19" title="Screenshot 2025-06-17 at 4.49.53 PM.png"/>
+          <p:cNvPr id="111" name="Google Shape;111;p19"/>
           <p:cNvPicPr preferRelativeResize="0"/>
           <p:nvPr/>
         </p:nvPicPr>
-        <p:blipFill>
+        <p:blipFill rotWithShape="1">
           <a:blip r:embed="rId5">
             <a:alphaModFix/>
           </a:blip>
-          <a:stretch>
-            <a:fillRect/>
-          </a:stretch>
+          <a:srcRect b="0" l="2281" r="2271" t="0"/>
+          <a:stretch/>
         </p:blipFill>
         <p:spPr>
           <a:xfrm>
-            <a:off x="0" y="4262775"/>
-            <a:ext cx="2482700" cy="880725"/>
+            <a:off x="381000" y="1300086"/>
+            <a:ext cx="4533649" cy="2932339"/>
+          </a:xfrm>
+          <a:prstGeom prst="rect">
+            <a:avLst/>
+          </a:prstGeom>
+          <a:noFill/>
+          <a:ln>
+            <a:noFill/>
+          </a:ln>
+        </p:spPr>
+      </p:pic>
+      <p:pic>
+        <p:nvPicPr>
+          <p:cNvPr id="112" name="Google Shape;112;p19"/>
+          <p:cNvPicPr preferRelativeResize="0"/>
+          <p:nvPr/>
+        </p:nvPicPr>
+        <p:blipFill rotWithShape="1">
+          <a:blip r:embed="rId6">
+            <a:alphaModFix/>
+          </a:blip>
+          <a:srcRect b="0" l="0" r="0" t="0"/>
+          <a:stretch/>
+        </p:blipFill>
+        <p:spPr>
+          <a:xfrm>
+            <a:off x="4937050" y="1093926"/>
+            <a:ext cx="3842992" cy="3347551"/>
           </a:xfrm>
           <a:prstGeom prst="rect">
             <a:avLst/>
